--- a/csci222 a1 ppt.pptx
+++ b/csci222 a1 ppt.pptx
@@ -15,14 +15,18 @@
     <p:sldId id="260" r:id="rId9"/>
     <p:sldId id="262" r:id="rId10"/>
     <p:sldId id="265" r:id="rId11"/>
-    <p:sldId id="266" r:id="rId12"/>
-    <p:sldId id="267" r:id="rId13"/>
-    <p:sldId id="268" r:id="rId14"/>
-    <p:sldId id="269" r:id="rId15"/>
-    <p:sldId id="270" r:id="rId16"/>
-    <p:sldId id="271" r:id="rId17"/>
-    <p:sldId id="272" r:id="rId18"/>
-    <p:sldId id="273" r:id="rId19"/>
+    <p:sldId id="276" r:id="rId12"/>
+    <p:sldId id="266" r:id="rId13"/>
+    <p:sldId id="274" r:id="rId14"/>
+    <p:sldId id="267" r:id="rId15"/>
+    <p:sldId id="268" r:id="rId16"/>
+    <p:sldId id="269" r:id="rId17"/>
+    <p:sldId id="275" r:id="rId18"/>
+    <p:sldId id="277" r:id="rId19"/>
+    <p:sldId id="270" r:id="rId20"/>
+    <p:sldId id="271" r:id="rId21"/>
+    <p:sldId id="272" r:id="rId22"/>
+    <p:sldId id="273" r:id="rId23"/>
   </p:sldIdLst>
   <p:sldSz cx="9144000" cy="6858000" type="screen4x3"/>
   <p:notesSz cx="6858000" cy="9144000"/>
@@ -416,7 +420,7 @@
             <a:fld id="{1D8BD707-D9CF-40AE-B4C6-C98DA3205C09}" type="datetimeFigureOut">
               <a:rPr lang="en-US" smtClean="0"/>
               <a:pPr/>
-              <a:t>2/13/2016</a:t>
+              <a:t>2/14/2016</a:t>
             </a:fld>
             <a:endParaRPr lang="en-US"/>
           </a:p>
@@ -609,7 +613,7 @@
             <a:fld id="{1D8BD707-D9CF-40AE-B4C6-C98DA3205C09}" type="datetimeFigureOut">
               <a:rPr lang="en-US" smtClean="0"/>
               <a:pPr/>
-              <a:t>2/13/2016</a:t>
+              <a:t>2/14/2016</a:t>
             </a:fld>
             <a:endParaRPr lang="en-US"/>
           </a:p>
@@ -796,7 +800,7 @@
             <a:fld id="{1D8BD707-D9CF-40AE-B4C6-C98DA3205C09}" type="datetimeFigureOut">
               <a:rPr lang="en-US" smtClean="0"/>
               <a:pPr/>
-              <a:t>2/13/2016</a:t>
+              <a:t>2/14/2016</a:t>
             </a:fld>
             <a:endParaRPr lang="en-US"/>
           </a:p>
@@ -1061,7 +1065,7 @@
             <a:fld id="{1D8BD707-D9CF-40AE-B4C6-C98DA3205C09}" type="datetimeFigureOut">
               <a:rPr lang="en-US" smtClean="0"/>
               <a:pPr/>
-              <a:t>2/13/2016</a:t>
+              <a:t>2/14/2016</a:t>
             </a:fld>
             <a:endParaRPr lang="en-US"/>
           </a:p>
@@ -1479,7 +1483,7 @@
             <a:fld id="{1D8BD707-D9CF-40AE-B4C6-C98DA3205C09}" type="datetimeFigureOut">
               <a:rPr lang="en-US" smtClean="0"/>
               <a:pPr/>
-              <a:t>2/13/2016</a:t>
+              <a:t>2/14/2016</a:t>
             </a:fld>
             <a:endParaRPr lang="en-US"/>
           </a:p>
@@ -1723,7 +1727,7 @@
             <a:fld id="{1D8BD707-D9CF-40AE-B4C6-C98DA3205C09}" type="datetimeFigureOut">
               <a:rPr lang="en-US" smtClean="0"/>
               <a:pPr/>
-              <a:t>2/13/2016</a:t>
+              <a:t>2/14/2016</a:t>
             </a:fld>
             <a:endParaRPr lang="en-US"/>
           </a:p>
@@ -1961,7 +1965,7 @@
             <a:fld id="{1D8BD707-D9CF-40AE-B4C6-C98DA3205C09}" type="datetimeFigureOut">
               <a:rPr lang="en-US" smtClean="0"/>
               <a:pPr/>
-              <a:t>2/13/2016</a:t>
+              <a:t>2/14/2016</a:t>
             </a:fld>
             <a:endParaRPr lang="en-US"/>
           </a:p>
@@ -2158,7 +2162,7 @@
             <a:fld id="{1D8BD707-D9CF-40AE-B4C6-C98DA3205C09}" type="datetimeFigureOut">
               <a:rPr lang="en-US" smtClean="0"/>
               <a:pPr/>
-              <a:t>2/13/2016</a:t>
+              <a:t>2/14/2016</a:t>
             </a:fld>
             <a:endParaRPr lang="en-US"/>
           </a:p>
@@ -2258,7 +2262,7 @@
             <a:fld id="{1D8BD707-D9CF-40AE-B4C6-C98DA3205C09}" type="datetimeFigureOut">
               <a:rPr lang="en-US" smtClean="0"/>
               <a:pPr/>
-              <a:t>2/13/2016</a:t>
+              <a:t>2/14/2016</a:t>
             </a:fld>
             <a:endParaRPr lang="en-US"/>
           </a:p>
@@ -2396,7 +2400,7 @@
             <a:fld id="{1D8BD707-D9CF-40AE-B4C6-C98DA3205C09}" type="datetimeFigureOut">
               <a:rPr lang="en-US" smtClean="0"/>
               <a:pPr/>
-              <a:t>2/13/2016</a:t>
+              <a:t>2/14/2016</a:t>
             </a:fld>
             <a:endParaRPr lang="en-US"/>
           </a:p>
@@ -2916,7 +2920,7 @@
             <a:fld id="{1D8BD707-D9CF-40AE-B4C6-C98DA3205C09}" type="datetimeFigureOut">
               <a:rPr lang="en-US" smtClean="0"/>
               <a:pPr/>
-              <a:t>2/13/2016</a:t>
+              <a:t>2/14/2016</a:t>
             </a:fld>
             <a:endParaRPr lang="en-US"/>
           </a:p>
@@ -3179,7 +3183,7 @@
             <a:fld id="{1D8BD707-D9CF-40AE-B4C6-C98DA3205C09}" type="datetimeFigureOut">
               <a:rPr lang="en-US" smtClean="0"/>
               <a:pPr/>
-              <a:t>2/13/2016</a:t>
+              <a:t>2/14/2016</a:t>
             </a:fld>
             <a:endParaRPr lang="en-US"/>
           </a:p>
@@ -3936,6 +3940,156 @@
           <a:lstStyle/>
           <a:p>
             <a:r>
+              <a:rPr lang="en-SG" dirty="0" smtClean="0"/>
+              <a:t>Some </a:t>
+            </a:r>
+            <a:r>
+              <a:rPr lang="en-SG" dirty="0" err="1" smtClean="0"/>
+              <a:t>Brainstormings</a:t>
+            </a:r>
+            <a:r>
+              <a:rPr lang="en-SG" dirty="0" smtClean="0"/>
+              <a:t> Later…</a:t>
+            </a:r>
+            <a:endParaRPr lang="en-SG" dirty="0"/>
+          </a:p>
+        </p:txBody>
+      </p:sp>
+      <p:sp>
+        <p:nvSpPr>
+          <p:cNvPr id="3" name="Content Placeholder 2"/>
+          <p:cNvSpPr>
+            <a:spLocks noGrp="1"/>
+          </p:cNvSpPr>
+          <p:nvPr>
+            <p:ph sz="quarter" idx="1"/>
+          </p:nvPr>
+        </p:nvSpPr>
+        <p:spPr/>
+        <p:txBody>
+          <a:bodyPr/>
+          <a:lstStyle/>
+          <a:p>
+            <a:r>
+              <a:rPr lang="en-SG" dirty="0" smtClean="0"/>
+              <a:t>This is </a:t>
+            </a:r>
+            <a:r>
+              <a:rPr lang="en-SG" dirty="0" smtClean="0"/>
+              <a:t>one of our </a:t>
+            </a:r>
+            <a:r>
+              <a:rPr lang="en-SG" dirty="0" smtClean="0"/>
+              <a:t>v1 </a:t>
+            </a:r>
+            <a:r>
+              <a:rPr lang="en-SG" dirty="0" smtClean="0"/>
+              <a:t>Activity Diagrams (on club member wanting to book facilities).</a:t>
+            </a:r>
+            <a:endParaRPr lang="en-SG" dirty="0"/>
+          </a:p>
+        </p:txBody>
+      </p:sp>
+      <p:pic>
+        <p:nvPicPr>
+          <p:cNvPr id="4098" name="Picture 2" descr="Activity Diagram - Book Facilities"/>
+          <p:cNvPicPr>
+            <a:picLocks noChangeAspect="1" noChangeArrowheads="1"/>
+          </p:cNvPicPr>
+          <p:nvPr/>
+        </p:nvPicPr>
+        <p:blipFill>
+          <a:blip r:embed="rId2">
+            <a:extLst>
+              <a:ext uri="{28A0092B-C50C-407E-A947-70E740481C1C}">
+                <a14:useLocalDpi xmlns:a14="http://schemas.microsoft.com/office/drawing/2010/main" val="0"/>
+              </a:ext>
+            </a:extLst>
+          </a:blip>
+          <a:srcRect/>
+          <a:stretch>
+            <a:fillRect/>
+          </a:stretch>
+        </p:blipFill>
+        <p:spPr bwMode="auto">
+          <a:xfrm>
+            <a:off x="990600" y="2667000"/>
+            <a:ext cx="5016340" cy="3981450"/>
+          </a:xfrm>
+          <a:prstGeom prst="rect">
+            <a:avLst/>
+          </a:prstGeom>
+          <a:noFill/>
+          <a:ln>
+            <a:noFill/>
+          </a:ln>
+          <a:extLst>
+            <a:ext uri="{909E8E84-426E-40DD-AFC4-6F175D3DCCD1}">
+              <a14:hiddenFill xmlns:a14="http://schemas.microsoft.com/office/drawing/2010/main">
+                <a:solidFill>
+                  <a:srgbClr val="FFFFFF"/>
+                </a:solidFill>
+              </a14:hiddenFill>
+            </a:ext>
+            <a:ext uri="{91240B29-F687-4F45-9708-019B960494DF}">
+              <a14:hiddenLine xmlns:a14="http://schemas.microsoft.com/office/drawing/2010/main" w="9525">
+                <a:solidFill>
+                  <a:srgbClr val="000000"/>
+                </a:solidFill>
+                <a:miter lim="800000"/>
+                <a:headEnd/>
+                <a:tailEnd/>
+              </a14:hiddenLine>
+            </a:ext>
+          </a:extLst>
+        </p:spPr>
+      </p:pic>
+    </p:spTree>
+    <p:extLst>
+      <p:ext uri="{BB962C8B-B14F-4D97-AF65-F5344CB8AC3E}">
+        <p14:creationId xmlns:p14="http://schemas.microsoft.com/office/powerpoint/2010/main" val="2237704264"/>
+      </p:ext>
+    </p:extLst>
+  </p:cSld>
+  <p:clrMapOvr>
+    <a:masterClrMapping/>
+  </p:clrMapOvr>
+</p:sld>
+</file>
+
+<file path=ppt/slides/slide12.xml><?xml version="1.0" encoding="utf-8"?>
+<p:sld xmlns:a="http://schemas.openxmlformats.org/drawingml/2006/main" xmlns:r="http://schemas.openxmlformats.org/officeDocument/2006/relationships" xmlns:p="http://schemas.openxmlformats.org/presentationml/2006/main">
+  <p:cSld>
+    <p:spTree>
+      <p:nvGrpSpPr>
+        <p:cNvPr id="1" name=""/>
+        <p:cNvGrpSpPr/>
+        <p:nvPr/>
+      </p:nvGrpSpPr>
+      <p:grpSpPr>
+        <a:xfrm>
+          <a:off x="0" y="0"/>
+          <a:ext cx="0" cy="0"/>
+          <a:chOff x="0" y="0"/>
+          <a:chExt cx="0" cy="0"/>
+        </a:xfrm>
+      </p:grpSpPr>
+      <p:sp>
+        <p:nvSpPr>
+          <p:cNvPr id="2" name="Title 1"/>
+          <p:cNvSpPr>
+            <a:spLocks noGrp="1"/>
+          </p:cNvSpPr>
+          <p:nvPr>
+            <p:ph type="title"/>
+          </p:nvPr>
+        </p:nvSpPr>
+        <p:spPr/>
+        <p:txBody>
+          <a:bodyPr/>
+          <a:lstStyle/>
+          <a:p>
+            <a:r>
               <a:rPr lang="en-SG" dirty="0"/>
               <a:t>Some </a:t>
             </a:r>
@@ -4027,7 +4181,135 @@
 </p:sld>
 </file>
 
-<file path=ppt/slides/slide12.xml><?xml version="1.0" encoding="utf-8"?>
+<file path=ppt/slides/slide13.xml><?xml version="1.0" encoding="utf-8"?>
+<p:sld xmlns:a="http://schemas.openxmlformats.org/drawingml/2006/main" xmlns:r="http://schemas.openxmlformats.org/officeDocument/2006/relationships" xmlns:p="http://schemas.openxmlformats.org/presentationml/2006/main">
+  <p:cSld>
+    <p:spTree>
+      <p:nvGrpSpPr>
+        <p:cNvPr id="1" name=""/>
+        <p:cNvGrpSpPr/>
+        <p:nvPr/>
+      </p:nvGrpSpPr>
+      <p:grpSpPr>
+        <a:xfrm>
+          <a:off x="0" y="0"/>
+          <a:ext cx="0" cy="0"/>
+          <a:chOff x="0" y="0"/>
+          <a:chExt cx="0" cy="0"/>
+        </a:xfrm>
+      </p:grpSpPr>
+      <p:sp>
+        <p:nvSpPr>
+          <p:cNvPr id="2" name="Title 1"/>
+          <p:cNvSpPr>
+            <a:spLocks noGrp="1"/>
+          </p:cNvSpPr>
+          <p:nvPr>
+            <p:ph type="title"/>
+          </p:nvPr>
+        </p:nvSpPr>
+        <p:spPr/>
+        <p:txBody>
+          <a:bodyPr/>
+          <a:lstStyle/>
+          <a:p>
+            <a:r>
+              <a:rPr lang="en-SG" dirty="0"/>
+              <a:t>Some </a:t>
+            </a:r>
+            <a:r>
+              <a:rPr lang="en-SG" dirty="0" err="1"/>
+              <a:t>Brainstormings</a:t>
+            </a:r>
+            <a:r>
+              <a:rPr lang="en-SG" dirty="0"/>
+              <a:t> Later…</a:t>
+            </a:r>
+          </a:p>
+        </p:txBody>
+      </p:sp>
+      <p:sp>
+        <p:nvSpPr>
+          <p:cNvPr id="3" name="Content Placeholder 2"/>
+          <p:cNvSpPr>
+            <a:spLocks noGrp="1"/>
+          </p:cNvSpPr>
+          <p:nvPr>
+            <p:ph sz="quarter" idx="1"/>
+          </p:nvPr>
+        </p:nvSpPr>
+        <p:spPr/>
+        <p:txBody>
+          <a:bodyPr/>
+          <a:lstStyle/>
+          <a:p>
+            <a:r>
+              <a:rPr lang="en-SG" dirty="0" smtClean="0"/>
+              <a:t>This is our </a:t>
+            </a:r>
+            <a:r>
+              <a:rPr lang="en-SG" dirty="0" smtClean="0"/>
+              <a:t>v1 Component Diagram.</a:t>
+            </a:r>
+            <a:endParaRPr lang="en-SG" dirty="0"/>
+          </a:p>
+        </p:txBody>
+      </p:sp>
+      <p:pic>
+        <p:nvPicPr>
+          <p:cNvPr id="1026" name="Picture 2" descr="C:\Users\william\Desktop\CSCI222\trunk\Comp1.JPG"/>
+          <p:cNvPicPr>
+            <a:picLocks noChangeAspect="1" noChangeArrowheads="1"/>
+          </p:cNvPicPr>
+          <p:nvPr/>
+        </p:nvPicPr>
+        <p:blipFill>
+          <a:blip r:embed="rId2">
+            <a:extLst>
+              <a:ext uri="{28A0092B-C50C-407E-A947-70E740481C1C}">
+                <a14:useLocalDpi xmlns:a14="http://schemas.microsoft.com/office/drawing/2010/main" val="0"/>
+              </a:ext>
+            </a:extLst>
+          </a:blip>
+          <a:srcRect/>
+          <a:stretch>
+            <a:fillRect/>
+          </a:stretch>
+        </p:blipFill>
+        <p:spPr bwMode="auto">
+          <a:xfrm>
+            <a:off x="1181531" y="2234056"/>
+            <a:ext cx="5524069" cy="4299590"/>
+          </a:xfrm>
+          <a:prstGeom prst="rect">
+            <a:avLst/>
+          </a:prstGeom>
+          <a:noFill/>
+          <a:extLst>
+            <a:ext uri="{909E8E84-426E-40DD-AFC4-6F175D3DCCD1}">
+              <a14:hiddenFill xmlns:a14="http://schemas.microsoft.com/office/drawing/2010/main">
+                <a:solidFill>
+                  <a:srgbClr val="FFFFFF"/>
+                </a:solidFill>
+              </a14:hiddenFill>
+            </a:ext>
+          </a:extLst>
+        </p:spPr>
+      </p:pic>
+    </p:spTree>
+    <p:extLst>
+      <p:ext uri="{BB962C8B-B14F-4D97-AF65-F5344CB8AC3E}">
+        <p14:creationId xmlns:p14="http://schemas.microsoft.com/office/powerpoint/2010/main" val="2795135530"/>
+      </p:ext>
+    </p:extLst>
+  </p:cSld>
+  <p:clrMapOvr>
+    <a:masterClrMapping/>
+  </p:clrMapOvr>
+</p:sld>
+</file>
+
+<file path=ppt/slides/slide14.xml><?xml version="1.0" encoding="utf-8"?>
 <p:sld xmlns:a="http://schemas.openxmlformats.org/drawingml/2006/main" xmlns:r="http://schemas.openxmlformats.org/officeDocument/2006/relationships" xmlns:p="http://schemas.openxmlformats.org/presentationml/2006/main">
   <p:cSld>
     <p:spTree>
@@ -4152,7 +4434,7 @@
 </p:sld>
 </file>
 
-<file path=ppt/slides/slide13.xml><?xml version="1.0" encoding="utf-8"?>
+<file path=ppt/slides/slide15.xml><?xml version="1.0" encoding="utf-8"?>
 <p:sld xmlns:a="http://schemas.openxmlformats.org/drawingml/2006/main" xmlns:r="http://schemas.openxmlformats.org/officeDocument/2006/relationships" xmlns:p="http://schemas.openxmlformats.org/presentationml/2006/main">
   <p:cSld>
     <p:spTree>
@@ -4215,8 +4497,27 @@
           <a:p>
             <a:r>
               <a:rPr lang="en-SG" dirty="0" smtClean="0"/>
-              <a:t>The Class Diagram is still unfinished.</a:t>
-            </a:r>
+              <a:t>The Class Diagram is still unfinished</a:t>
+            </a:r>
+            <a:r>
+              <a:rPr lang="en-SG" dirty="0" smtClean="0"/>
+              <a:t>.</a:t>
+            </a:r>
+          </a:p>
+          <a:p>
+            <a:r>
+              <a:rPr lang="en-SG" dirty="0" smtClean="0"/>
+              <a:t>The Component Diagram doesn’t </a:t>
+            </a:r>
+            <a:r>
+              <a:rPr lang="en-SG" dirty="0" err="1" smtClean="0"/>
+              <a:t>fulfill</a:t>
+            </a:r>
+            <a:r>
+              <a:rPr lang="en-SG" dirty="0" smtClean="0"/>
+              <a:t> the constraint (where’s the server and database?).</a:t>
+            </a:r>
+            <a:endParaRPr lang="en-SG" dirty="0" smtClean="0"/>
           </a:p>
           <a:p>
             <a:r>
@@ -4246,7 +4547,7 @@
 </p:sld>
 </file>
 
-<file path=ppt/slides/slide14.xml><?xml version="1.0" encoding="utf-8"?>
+<file path=ppt/slides/slide16.xml><?xml version="1.0" encoding="utf-8"?>
 <p:sld xmlns:a="http://schemas.openxmlformats.org/drawingml/2006/main" xmlns:r="http://schemas.openxmlformats.org/officeDocument/2006/relationships" xmlns:p="http://schemas.openxmlformats.org/presentationml/2006/main">
   <p:cSld>
     <p:spTree>
@@ -4363,7 +4664,275 @@
 </p:sld>
 </file>
 
-<file path=ppt/slides/slide15.xml><?xml version="1.0" encoding="utf-8"?>
+<file path=ppt/slides/slide17.xml><?xml version="1.0" encoding="utf-8"?>
+<p:sld xmlns:a="http://schemas.openxmlformats.org/drawingml/2006/main" xmlns:r="http://schemas.openxmlformats.org/officeDocument/2006/relationships" xmlns:p="http://schemas.openxmlformats.org/presentationml/2006/main">
+  <p:cSld>
+    <p:spTree>
+      <p:nvGrpSpPr>
+        <p:cNvPr id="1" name=""/>
+        <p:cNvGrpSpPr/>
+        <p:nvPr/>
+      </p:nvGrpSpPr>
+      <p:grpSpPr>
+        <a:xfrm>
+          <a:off x="0" y="0"/>
+          <a:ext cx="0" cy="0"/>
+          <a:chOff x="0" y="0"/>
+          <a:chExt cx="0" cy="0"/>
+        </a:xfrm>
+      </p:grpSpPr>
+      <p:sp>
+        <p:nvSpPr>
+          <p:cNvPr id="2" name="Title 1"/>
+          <p:cNvSpPr>
+            <a:spLocks noGrp="1"/>
+          </p:cNvSpPr>
+          <p:nvPr>
+            <p:ph type="title"/>
+          </p:nvPr>
+        </p:nvSpPr>
+        <p:spPr/>
+        <p:txBody>
+          <a:bodyPr/>
+          <a:lstStyle/>
+          <a:p>
+            <a:r>
+              <a:rPr lang="en-SG" dirty="0" smtClean="0"/>
+              <a:t>After Fixing Mistakes…</a:t>
+            </a:r>
+            <a:endParaRPr lang="en-SG" dirty="0"/>
+          </a:p>
+        </p:txBody>
+      </p:sp>
+      <p:sp>
+        <p:nvSpPr>
+          <p:cNvPr id="3" name="Content Placeholder 2"/>
+          <p:cNvSpPr>
+            <a:spLocks noGrp="1"/>
+          </p:cNvSpPr>
+          <p:nvPr>
+            <p:ph sz="quarter" idx="1"/>
+          </p:nvPr>
+        </p:nvSpPr>
+        <p:spPr/>
+        <p:txBody>
+          <a:bodyPr/>
+          <a:lstStyle/>
+          <a:p>
+            <a:r>
+              <a:rPr lang="en-SG" dirty="0" smtClean="0"/>
+              <a:t>This is our final </a:t>
+            </a:r>
+            <a:r>
+              <a:rPr lang="en-SG" dirty="0" smtClean="0"/>
+              <a:t>Component Diagram.</a:t>
+            </a:r>
+            <a:endParaRPr lang="en-SG" dirty="0"/>
+          </a:p>
+        </p:txBody>
+      </p:sp>
+      <p:pic>
+        <p:nvPicPr>
+          <p:cNvPr id="3074" name="Picture 2" descr="Comp2"/>
+          <p:cNvPicPr>
+            <a:picLocks noChangeAspect="1" noChangeArrowheads="1"/>
+          </p:cNvPicPr>
+          <p:nvPr/>
+        </p:nvPicPr>
+        <p:blipFill>
+          <a:blip r:embed="rId2">
+            <a:extLst>
+              <a:ext uri="{28A0092B-C50C-407E-A947-70E740481C1C}">
+                <a14:useLocalDpi xmlns:a14="http://schemas.microsoft.com/office/drawing/2010/main" val="0"/>
+              </a:ext>
+            </a:extLst>
+          </a:blip>
+          <a:srcRect/>
+          <a:stretch>
+            <a:fillRect/>
+          </a:stretch>
+        </p:blipFill>
+        <p:spPr bwMode="auto">
+          <a:xfrm>
+            <a:off x="914400" y="2362200"/>
+            <a:ext cx="6928385" cy="3771900"/>
+          </a:xfrm>
+          <a:prstGeom prst="rect">
+            <a:avLst/>
+          </a:prstGeom>
+          <a:noFill/>
+          <a:ln>
+            <a:noFill/>
+          </a:ln>
+          <a:extLst>
+            <a:ext uri="{909E8E84-426E-40DD-AFC4-6F175D3DCCD1}">
+              <a14:hiddenFill xmlns:a14="http://schemas.microsoft.com/office/drawing/2010/main">
+                <a:solidFill>
+                  <a:srgbClr val="FFFFFF"/>
+                </a:solidFill>
+              </a14:hiddenFill>
+            </a:ext>
+            <a:ext uri="{91240B29-F687-4F45-9708-019B960494DF}">
+              <a14:hiddenLine xmlns:a14="http://schemas.microsoft.com/office/drawing/2010/main" w="9525">
+                <a:solidFill>
+                  <a:srgbClr val="000000"/>
+                </a:solidFill>
+                <a:miter lim="800000"/>
+                <a:headEnd/>
+                <a:tailEnd/>
+              </a14:hiddenLine>
+            </a:ext>
+          </a:extLst>
+        </p:spPr>
+      </p:pic>
+    </p:spTree>
+    <p:extLst>
+      <p:ext uri="{BB962C8B-B14F-4D97-AF65-F5344CB8AC3E}">
+        <p14:creationId xmlns:p14="http://schemas.microsoft.com/office/powerpoint/2010/main" val="3966579107"/>
+      </p:ext>
+    </p:extLst>
+  </p:cSld>
+  <p:clrMapOvr>
+    <a:masterClrMapping/>
+  </p:clrMapOvr>
+</p:sld>
+</file>
+
+<file path=ppt/slides/slide18.xml><?xml version="1.0" encoding="utf-8"?>
+<p:sld xmlns:a="http://schemas.openxmlformats.org/drawingml/2006/main" xmlns:r="http://schemas.openxmlformats.org/officeDocument/2006/relationships" xmlns:p="http://schemas.openxmlformats.org/presentationml/2006/main">
+  <p:cSld>
+    <p:spTree>
+      <p:nvGrpSpPr>
+        <p:cNvPr id="1" name=""/>
+        <p:cNvGrpSpPr/>
+        <p:nvPr/>
+      </p:nvGrpSpPr>
+      <p:grpSpPr>
+        <a:xfrm>
+          <a:off x="0" y="0"/>
+          <a:ext cx="0" cy="0"/>
+          <a:chOff x="0" y="0"/>
+          <a:chExt cx="0" cy="0"/>
+        </a:xfrm>
+      </p:grpSpPr>
+      <p:sp>
+        <p:nvSpPr>
+          <p:cNvPr id="2" name="Title 1"/>
+          <p:cNvSpPr>
+            <a:spLocks noGrp="1"/>
+          </p:cNvSpPr>
+          <p:nvPr>
+            <p:ph type="title"/>
+          </p:nvPr>
+        </p:nvSpPr>
+        <p:spPr/>
+        <p:txBody>
+          <a:bodyPr/>
+          <a:lstStyle/>
+          <a:p>
+            <a:r>
+              <a:rPr lang="en-SG" dirty="0" smtClean="0"/>
+              <a:t>After Fixing Mistakes…</a:t>
+            </a:r>
+            <a:endParaRPr lang="en-SG" dirty="0"/>
+          </a:p>
+        </p:txBody>
+      </p:sp>
+      <p:sp>
+        <p:nvSpPr>
+          <p:cNvPr id="3" name="Content Placeholder 2"/>
+          <p:cNvSpPr>
+            <a:spLocks noGrp="1"/>
+          </p:cNvSpPr>
+          <p:nvPr>
+            <p:ph sz="quarter" idx="1"/>
+          </p:nvPr>
+        </p:nvSpPr>
+        <p:spPr/>
+        <p:txBody>
+          <a:bodyPr/>
+          <a:lstStyle/>
+          <a:p>
+            <a:r>
+              <a:rPr lang="en-SG" dirty="0" smtClean="0"/>
+              <a:t>This is </a:t>
+            </a:r>
+            <a:r>
+              <a:rPr lang="en-SG" dirty="0" smtClean="0"/>
+              <a:t>the final version of one of the Activity Diagrams seen some slides before. </a:t>
+            </a:r>
+            <a:endParaRPr lang="en-SG" dirty="0"/>
+          </a:p>
+        </p:txBody>
+      </p:sp>
+      <p:pic>
+        <p:nvPicPr>
+          <p:cNvPr id="5122" name="Picture 2" descr="Activity Diagram - Book Facilities"/>
+          <p:cNvPicPr>
+            <a:picLocks noChangeAspect="1" noChangeArrowheads="1"/>
+          </p:cNvPicPr>
+          <p:nvPr/>
+        </p:nvPicPr>
+        <p:blipFill>
+          <a:blip r:embed="rId2">
+            <a:extLst>
+              <a:ext uri="{28A0092B-C50C-407E-A947-70E740481C1C}">
+                <a14:useLocalDpi xmlns:a14="http://schemas.microsoft.com/office/drawing/2010/main" val="0"/>
+              </a:ext>
+            </a:extLst>
+          </a:blip>
+          <a:srcRect/>
+          <a:stretch>
+            <a:fillRect/>
+          </a:stretch>
+        </p:blipFill>
+        <p:spPr bwMode="auto">
+          <a:xfrm>
+            <a:off x="838200" y="2667000"/>
+            <a:ext cx="4824327" cy="3829050"/>
+          </a:xfrm>
+          <a:prstGeom prst="rect">
+            <a:avLst/>
+          </a:prstGeom>
+          <a:noFill/>
+          <a:ln>
+            <a:noFill/>
+          </a:ln>
+          <a:extLst>
+            <a:ext uri="{909E8E84-426E-40DD-AFC4-6F175D3DCCD1}">
+              <a14:hiddenFill xmlns:a14="http://schemas.microsoft.com/office/drawing/2010/main">
+                <a:solidFill>
+                  <a:srgbClr val="FFFFFF"/>
+                </a:solidFill>
+              </a14:hiddenFill>
+            </a:ext>
+            <a:ext uri="{91240B29-F687-4F45-9708-019B960494DF}">
+              <a14:hiddenLine xmlns:a14="http://schemas.microsoft.com/office/drawing/2010/main" w="9525">
+                <a:solidFill>
+                  <a:srgbClr val="000000"/>
+                </a:solidFill>
+                <a:miter lim="800000"/>
+                <a:headEnd/>
+                <a:tailEnd/>
+              </a14:hiddenLine>
+            </a:ext>
+          </a:extLst>
+        </p:spPr>
+      </p:pic>
+    </p:spTree>
+    <p:extLst>
+      <p:ext uri="{BB962C8B-B14F-4D97-AF65-F5344CB8AC3E}">
+        <p14:creationId xmlns:p14="http://schemas.microsoft.com/office/powerpoint/2010/main" val="3222961428"/>
+      </p:ext>
+    </p:extLst>
+  </p:cSld>
+  <p:clrMapOvr>
+    <a:masterClrMapping/>
+  </p:clrMapOvr>
+</p:sld>
+</file>
+
+<file path=ppt/slides/slide19.xml><?xml version="1.0" encoding="utf-8"?>
 <p:sld xmlns:a="http://schemas.openxmlformats.org/drawingml/2006/main" xmlns:r="http://schemas.openxmlformats.org/officeDocument/2006/relationships" xmlns:p="http://schemas.openxmlformats.org/presentationml/2006/main">
   <p:cSld>
     <p:spTree>
@@ -4480,321 +5049,6 @@
 </p:sld>
 </file>
 
-<file path=ppt/slides/slide16.xml><?xml version="1.0" encoding="utf-8"?>
-<p:sld xmlns:a="http://schemas.openxmlformats.org/drawingml/2006/main" xmlns:r="http://schemas.openxmlformats.org/officeDocument/2006/relationships" xmlns:p="http://schemas.openxmlformats.org/presentationml/2006/main">
-  <p:cSld>
-    <p:spTree>
-      <p:nvGrpSpPr>
-        <p:cNvPr id="1" name=""/>
-        <p:cNvGrpSpPr/>
-        <p:nvPr/>
-      </p:nvGrpSpPr>
-      <p:grpSpPr>
-        <a:xfrm>
-          <a:off x="0" y="0"/>
-          <a:ext cx="0" cy="0"/>
-          <a:chOff x="0" y="0"/>
-          <a:chExt cx="0" cy="0"/>
-        </a:xfrm>
-      </p:grpSpPr>
-      <p:sp>
-        <p:nvSpPr>
-          <p:cNvPr id="2" name="Title 1"/>
-          <p:cNvSpPr>
-            <a:spLocks noGrp="1"/>
-          </p:cNvSpPr>
-          <p:nvPr>
-            <p:ph type="title"/>
-          </p:nvPr>
-        </p:nvSpPr>
-        <p:spPr/>
-        <p:txBody>
-          <a:bodyPr/>
-          <a:lstStyle/>
-          <a:p>
-            <a:r>
-              <a:rPr lang="en-SG" dirty="0" smtClean="0"/>
-              <a:t>3</a:t>
-            </a:r>
-            <a:r>
-              <a:rPr lang="en-SG" baseline="30000" dirty="0" smtClean="0"/>
-              <a:t>rd</a:t>
-            </a:r>
-            <a:r>
-              <a:rPr lang="en-SG" dirty="0" smtClean="0"/>
-              <a:t> and Final Group Meeting</a:t>
-            </a:r>
-            <a:endParaRPr lang="en-SG" dirty="0"/>
-          </a:p>
-        </p:txBody>
-      </p:sp>
-      <p:sp>
-        <p:nvSpPr>
-          <p:cNvPr id="3" name="Content Placeholder 2"/>
-          <p:cNvSpPr>
-            <a:spLocks noGrp="1"/>
-          </p:cNvSpPr>
-          <p:nvPr>
-            <p:ph sz="quarter" idx="1"/>
-          </p:nvPr>
-        </p:nvSpPr>
-        <p:spPr/>
-        <p:txBody>
-          <a:bodyPr/>
-          <a:lstStyle/>
-          <a:p>
-            <a:r>
-              <a:rPr lang="en-SG" dirty="0" smtClean="0"/>
-              <a:t>After cross-checking our work between each other, we deemed it to </a:t>
-            </a:r>
-            <a:r>
-              <a:rPr lang="en-SG" smtClean="0"/>
-              <a:t>be good </a:t>
-            </a:r>
-            <a:r>
-              <a:rPr lang="en-SG" dirty="0" smtClean="0"/>
-              <a:t>enough for the project.</a:t>
-            </a:r>
-          </a:p>
-          <a:p>
-            <a:r>
-              <a:rPr lang="en-SG" dirty="0" smtClean="0"/>
-              <a:t>Now we are left with making the SRS (since we have done the Requirements List already) and the reports.</a:t>
-            </a:r>
-          </a:p>
-          <a:p>
-            <a:r>
-              <a:rPr lang="en-SG" dirty="0" smtClean="0"/>
-              <a:t>We also compiled the materials to include in our presentation.</a:t>
-            </a:r>
-            <a:endParaRPr lang="en-SG" dirty="0"/>
-          </a:p>
-        </p:txBody>
-      </p:sp>
-    </p:spTree>
-    <p:extLst>
-      <p:ext uri="{BB962C8B-B14F-4D97-AF65-F5344CB8AC3E}">
-        <p14:creationId xmlns:p14="http://schemas.microsoft.com/office/powerpoint/2010/main" val="999104497"/>
-      </p:ext>
-    </p:extLst>
-  </p:cSld>
-  <p:clrMapOvr>
-    <a:masterClrMapping/>
-  </p:clrMapOvr>
-</p:sld>
-</file>
-
-<file path=ppt/slides/slide17.xml><?xml version="1.0" encoding="utf-8"?>
-<p:sld xmlns:a="http://schemas.openxmlformats.org/drawingml/2006/main" xmlns:r="http://schemas.openxmlformats.org/officeDocument/2006/relationships" xmlns:p="http://schemas.openxmlformats.org/presentationml/2006/main">
-  <p:cSld>
-    <p:spTree>
-      <p:nvGrpSpPr>
-        <p:cNvPr id="1" name=""/>
-        <p:cNvGrpSpPr/>
-        <p:nvPr/>
-      </p:nvGrpSpPr>
-      <p:grpSpPr>
-        <a:xfrm>
-          <a:off x="0" y="0"/>
-          <a:ext cx="0" cy="0"/>
-          <a:chOff x="0" y="0"/>
-          <a:chExt cx="0" cy="0"/>
-        </a:xfrm>
-      </p:grpSpPr>
-      <p:sp>
-        <p:nvSpPr>
-          <p:cNvPr id="2" name="Title 1"/>
-          <p:cNvSpPr>
-            <a:spLocks noGrp="1"/>
-          </p:cNvSpPr>
-          <p:nvPr>
-            <p:ph type="title"/>
-          </p:nvPr>
-        </p:nvSpPr>
-        <p:spPr/>
-        <p:txBody>
-          <a:bodyPr/>
-          <a:lstStyle/>
-          <a:p>
-            <a:r>
-              <a:rPr lang="en-SG" dirty="0" smtClean="0"/>
-              <a:t>Reports Included</a:t>
-            </a:r>
-            <a:endParaRPr lang="en-SG" dirty="0"/>
-          </a:p>
-        </p:txBody>
-      </p:sp>
-      <p:sp>
-        <p:nvSpPr>
-          <p:cNvPr id="3" name="Content Placeholder 2"/>
-          <p:cNvSpPr>
-            <a:spLocks noGrp="1"/>
-          </p:cNvSpPr>
-          <p:nvPr>
-            <p:ph sz="quarter" idx="1"/>
-          </p:nvPr>
-        </p:nvSpPr>
-        <p:spPr/>
-        <p:txBody>
-          <a:bodyPr/>
-          <a:lstStyle/>
-          <a:p>
-            <a:r>
-              <a:rPr lang="en-SG" dirty="0" smtClean="0"/>
-              <a:t>Reports included are :</a:t>
-            </a:r>
-          </a:p>
-          <a:p>
-            <a:pPr lvl="1"/>
-            <a:r>
-              <a:rPr lang="en-SG" dirty="0" smtClean="0"/>
-              <a:t>Detailed use case scenarios for each actor.</a:t>
-            </a:r>
-          </a:p>
-          <a:p>
-            <a:pPr lvl="1"/>
-            <a:r>
-              <a:rPr lang="en-SG" dirty="0" smtClean="0"/>
-              <a:t>Project Risk Analysis and Management.</a:t>
-            </a:r>
-          </a:p>
-          <a:p>
-            <a:pPr lvl="1"/>
-            <a:r>
-              <a:rPr lang="en-SG" dirty="0" smtClean="0"/>
-              <a:t>SVN Reports (Evidence of the usage of VCS).</a:t>
-            </a:r>
-          </a:p>
-          <a:p>
-            <a:pPr lvl="1"/>
-            <a:r>
-              <a:rPr lang="en-SG" dirty="0" smtClean="0"/>
-              <a:t>Individual member work diaries.</a:t>
-            </a:r>
-          </a:p>
-          <a:p>
-            <a:pPr lvl="1"/>
-            <a:r>
-              <a:rPr lang="en-SG" dirty="0" smtClean="0"/>
-              <a:t>Reports of all three group meetings.</a:t>
-            </a:r>
-          </a:p>
-          <a:p>
-            <a:pPr lvl="1"/>
-            <a:r>
-              <a:rPr lang="en-SG" dirty="0" smtClean="0"/>
-              <a:t>Detailed Project overview and plans.</a:t>
-            </a:r>
-          </a:p>
-          <a:p>
-            <a:pPr lvl="1"/>
-            <a:r>
-              <a:rPr lang="en-SG" dirty="0" smtClean="0"/>
-              <a:t>SRS (System Requirements Specifications).</a:t>
-            </a:r>
-          </a:p>
-          <a:p>
-            <a:pPr lvl="1"/>
-            <a:r>
-              <a:rPr lang="en-SG" dirty="0" smtClean="0"/>
-              <a:t>Can see to each individual documents for details.</a:t>
-            </a:r>
-          </a:p>
-          <a:p>
-            <a:pPr lvl="1"/>
-            <a:endParaRPr lang="en-SG" dirty="0"/>
-          </a:p>
-        </p:txBody>
-      </p:sp>
-    </p:spTree>
-    <p:extLst>
-      <p:ext uri="{BB962C8B-B14F-4D97-AF65-F5344CB8AC3E}">
-        <p14:creationId xmlns:p14="http://schemas.microsoft.com/office/powerpoint/2010/main" val="1886027280"/>
-      </p:ext>
-    </p:extLst>
-  </p:cSld>
-  <p:clrMapOvr>
-    <a:masterClrMapping/>
-  </p:clrMapOvr>
-</p:sld>
-</file>
-
-<file path=ppt/slides/slide18.xml><?xml version="1.0" encoding="utf-8"?>
-<p:sld xmlns:a="http://schemas.openxmlformats.org/drawingml/2006/main" xmlns:r="http://schemas.openxmlformats.org/officeDocument/2006/relationships" xmlns:p="http://schemas.openxmlformats.org/presentationml/2006/main">
-  <p:cSld>
-    <p:spTree>
-      <p:nvGrpSpPr>
-        <p:cNvPr id="1" name=""/>
-        <p:cNvGrpSpPr/>
-        <p:nvPr/>
-      </p:nvGrpSpPr>
-      <p:grpSpPr>
-        <a:xfrm>
-          <a:off x="0" y="0"/>
-          <a:ext cx="0" cy="0"/>
-          <a:chOff x="0" y="0"/>
-          <a:chExt cx="0" cy="0"/>
-        </a:xfrm>
-      </p:grpSpPr>
-      <p:sp>
-        <p:nvSpPr>
-          <p:cNvPr id="7" name="Title 6"/>
-          <p:cNvSpPr>
-            <a:spLocks noGrp="1"/>
-          </p:cNvSpPr>
-          <p:nvPr>
-            <p:ph type="ctrTitle"/>
-          </p:nvPr>
-        </p:nvSpPr>
-        <p:spPr/>
-        <p:txBody>
-          <a:bodyPr/>
-          <a:lstStyle/>
-          <a:p>
-            <a:r>
-              <a:rPr lang="en-SG" dirty="0" smtClean="0"/>
-              <a:t>And that concludes our presentation.</a:t>
-            </a:r>
-            <a:endParaRPr lang="en-SG" dirty="0"/>
-          </a:p>
-        </p:txBody>
-      </p:sp>
-      <p:sp>
-        <p:nvSpPr>
-          <p:cNvPr id="8" name="Subtitle 7"/>
-          <p:cNvSpPr>
-            <a:spLocks noGrp="1"/>
-          </p:cNvSpPr>
-          <p:nvPr>
-            <p:ph type="subTitle" idx="1"/>
-          </p:nvPr>
-        </p:nvSpPr>
-        <p:spPr/>
-        <p:txBody>
-          <a:bodyPr/>
-          <a:lstStyle/>
-          <a:p>
-            <a:r>
-              <a:rPr lang="en-SG" dirty="0" smtClean="0"/>
-              <a:t>We hope you enjoy watching through it.</a:t>
-            </a:r>
-            <a:endParaRPr lang="en-SG" dirty="0"/>
-          </a:p>
-        </p:txBody>
-      </p:sp>
-    </p:spTree>
-    <p:extLst>
-      <p:ext uri="{BB962C8B-B14F-4D97-AF65-F5344CB8AC3E}">
-        <p14:creationId xmlns:p14="http://schemas.microsoft.com/office/powerpoint/2010/main" val="1699833819"/>
-      </p:ext>
-    </p:extLst>
-  </p:cSld>
-  <p:clrMapOvr>
-    <a:masterClrMapping/>
-  </p:clrMapOvr>
-</p:sld>
-</file>
-
 <file path=ppt/slides/slide2.xml><?xml version="1.0" encoding="utf-8"?>
 <p:sld xmlns:a="http://schemas.openxmlformats.org/drawingml/2006/main" xmlns:r="http://schemas.openxmlformats.org/officeDocument/2006/relationships" xmlns:p="http://schemas.openxmlformats.org/presentationml/2006/main">
   <p:cSld>
@@ -4903,6 +5157,321 @@
     <p:extLst>
       <p:ext uri="{BB962C8B-B14F-4D97-AF65-F5344CB8AC3E}">
         <p14:creationId xmlns:p14="http://schemas.microsoft.com/office/powerpoint/2010/main" val="3955803790"/>
+      </p:ext>
+    </p:extLst>
+  </p:cSld>
+  <p:clrMapOvr>
+    <a:masterClrMapping/>
+  </p:clrMapOvr>
+</p:sld>
+</file>
+
+<file path=ppt/slides/slide20.xml><?xml version="1.0" encoding="utf-8"?>
+<p:sld xmlns:a="http://schemas.openxmlformats.org/drawingml/2006/main" xmlns:r="http://schemas.openxmlformats.org/officeDocument/2006/relationships" xmlns:p="http://schemas.openxmlformats.org/presentationml/2006/main">
+  <p:cSld>
+    <p:spTree>
+      <p:nvGrpSpPr>
+        <p:cNvPr id="1" name=""/>
+        <p:cNvGrpSpPr/>
+        <p:nvPr/>
+      </p:nvGrpSpPr>
+      <p:grpSpPr>
+        <a:xfrm>
+          <a:off x="0" y="0"/>
+          <a:ext cx="0" cy="0"/>
+          <a:chOff x="0" y="0"/>
+          <a:chExt cx="0" cy="0"/>
+        </a:xfrm>
+      </p:grpSpPr>
+      <p:sp>
+        <p:nvSpPr>
+          <p:cNvPr id="2" name="Title 1"/>
+          <p:cNvSpPr>
+            <a:spLocks noGrp="1"/>
+          </p:cNvSpPr>
+          <p:nvPr>
+            <p:ph type="title"/>
+          </p:nvPr>
+        </p:nvSpPr>
+        <p:spPr/>
+        <p:txBody>
+          <a:bodyPr/>
+          <a:lstStyle/>
+          <a:p>
+            <a:r>
+              <a:rPr lang="en-SG" dirty="0" smtClean="0"/>
+              <a:t>3</a:t>
+            </a:r>
+            <a:r>
+              <a:rPr lang="en-SG" baseline="30000" dirty="0" smtClean="0"/>
+              <a:t>rd</a:t>
+            </a:r>
+            <a:r>
+              <a:rPr lang="en-SG" dirty="0" smtClean="0"/>
+              <a:t> and Final Group Meeting</a:t>
+            </a:r>
+            <a:endParaRPr lang="en-SG" dirty="0"/>
+          </a:p>
+        </p:txBody>
+      </p:sp>
+      <p:sp>
+        <p:nvSpPr>
+          <p:cNvPr id="3" name="Content Placeholder 2"/>
+          <p:cNvSpPr>
+            <a:spLocks noGrp="1"/>
+          </p:cNvSpPr>
+          <p:nvPr>
+            <p:ph sz="quarter" idx="1"/>
+          </p:nvPr>
+        </p:nvSpPr>
+        <p:spPr/>
+        <p:txBody>
+          <a:bodyPr/>
+          <a:lstStyle/>
+          <a:p>
+            <a:r>
+              <a:rPr lang="en-SG" dirty="0" smtClean="0"/>
+              <a:t>After cross-checking our work between each other, we deemed it to </a:t>
+            </a:r>
+            <a:r>
+              <a:rPr lang="en-SG" smtClean="0"/>
+              <a:t>be good </a:t>
+            </a:r>
+            <a:r>
+              <a:rPr lang="en-SG" dirty="0" smtClean="0"/>
+              <a:t>enough for the project.</a:t>
+            </a:r>
+          </a:p>
+          <a:p>
+            <a:r>
+              <a:rPr lang="en-SG" dirty="0" smtClean="0"/>
+              <a:t>Now we are left with making the SRS (since we have done the Requirements List already) and the reports.</a:t>
+            </a:r>
+          </a:p>
+          <a:p>
+            <a:r>
+              <a:rPr lang="en-SG" dirty="0" smtClean="0"/>
+              <a:t>We also compiled the materials to include in our presentation.</a:t>
+            </a:r>
+            <a:endParaRPr lang="en-SG" dirty="0"/>
+          </a:p>
+        </p:txBody>
+      </p:sp>
+    </p:spTree>
+    <p:extLst>
+      <p:ext uri="{BB962C8B-B14F-4D97-AF65-F5344CB8AC3E}">
+        <p14:creationId xmlns:p14="http://schemas.microsoft.com/office/powerpoint/2010/main" val="999104497"/>
+      </p:ext>
+    </p:extLst>
+  </p:cSld>
+  <p:clrMapOvr>
+    <a:masterClrMapping/>
+  </p:clrMapOvr>
+</p:sld>
+</file>
+
+<file path=ppt/slides/slide21.xml><?xml version="1.0" encoding="utf-8"?>
+<p:sld xmlns:a="http://schemas.openxmlformats.org/drawingml/2006/main" xmlns:r="http://schemas.openxmlformats.org/officeDocument/2006/relationships" xmlns:p="http://schemas.openxmlformats.org/presentationml/2006/main">
+  <p:cSld>
+    <p:spTree>
+      <p:nvGrpSpPr>
+        <p:cNvPr id="1" name=""/>
+        <p:cNvGrpSpPr/>
+        <p:nvPr/>
+      </p:nvGrpSpPr>
+      <p:grpSpPr>
+        <a:xfrm>
+          <a:off x="0" y="0"/>
+          <a:ext cx="0" cy="0"/>
+          <a:chOff x="0" y="0"/>
+          <a:chExt cx="0" cy="0"/>
+        </a:xfrm>
+      </p:grpSpPr>
+      <p:sp>
+        <p:nvSpPr>
+          <p:cNvPr id="2" name="Title 1"/>
+          <p:cNvSpPr>
+            <a:spLocks noGrp="1"/>
+          </p:cNvSpPr>
+          <p:nvPr>
+            <p:ph type="title"/>
+          </p:nvPr>
+        </p:nvSpPr>
+        <p:spPr/>
+        <p:txBody>
+          <a:bodyPr/>
+          <a:lstStyle/>
+          <a:p>
+            <a:r>
+              <a:rPr lang="en-SG" dirty="0" smtClean="0"/>
+              <a:t>Reports Included</a:t>
+            </a:r>
+            <a:endParaRPr lang="en-SG" dirty="0"/>
+          </a:p>
+        </p:txBody>
+      </p:sp>
+      <p:sp>
+        <p:nvSpPr>
+          <p:cNvPr id="3" name="Content Placeholder 2"/>
+          <p:cNvSpPr>
+            <a:spLocks noGrp="1"/>
+          </p:cNvSpPr>
+          <p:nvPr>
+            <p:ph sz="quarter" idx="1"/>
+          </p:nvPr>
+        </p:nvSpPr>
+        <p:spPr/>
+        <p:txBody>
+          <a:bodyPr/>
+          <a:lstStyle/>
+          <a:p>
+            <a:r>
+              <a:rPr lang="en-SG" dirty="0" smtClean="0"/>
+              <a:t>Reports included are :</a:t>
+            </a:r>
+          </a:p>
+          <a:p>
+            <a:pPr lvl="1"/>
+            <a:r>
+              <a:rPr lang="en-SG" dirty="0" smtClean="0"/>
+              <a:t>Detailed use case scenarios for each actor.</a:t>
+            </a:r>
+          </a:p>
+          <a:p>
+            <a:pPr lvl="1"/>
+            <a:r>
+              <a:rPr lang="en-SG" dirty="0" smtClean="0"/>
+              <a:t>Project Risk Analysis and Management.</a:t>
+            </a:r>
+          </a:p>
+          <a:p>
+            <a:pPr lvl="1"/>
+            <a:r>
+              <a:rPr lang="en-SG" dirty="0" smtClean="0"/>
+              <a:t>SVN Reports (Evidence of the usage of VCS).</a:t>
+            </a:r>
+          </a:p>
+          <a:p>
+            <a:pPr lvl="1"/>
+            <a:r>
+              <a:rPr lang="en-SG" dirty="0" smtClean="0"/>
+              <a:t>Individual member work diaries.</a:t>
+            </a:r>
+          </a:p>
+          <a:p>
+            <a:pPr lvl="1"/>
+            <a:r>
+              <a:rPr lang="en-SG" dirty="0" smtClean="0"/>
+              <a:t>Reports of all three group meetings.</a:t>
+            </a:r>
+          </a:p>
+          <a:p>
+            <a:pPr lvl="1"/>
+            <a:r>
+              <a:rPr lang="en-SG" dirty="0" smtClean="0"/>
+              <a:t>Detailed Project overview and plans.</a:t>
+            </a:r>
+          </a:p>
+          <a:p>
+            <a:pPr lvl="1"/>
+            <a:r>
+              <a:rPr lang="en-SG" dirty="0" smtClean="0"/>
+              <a:t>SRS (System Requirements Specifications).</a:t>
+            </a:r>
+          </a:p>
+          <a:p>
+            <a:pPr lvl="1"/>
+            <a:r>
+              <a:rPr lang="en-SG" dirty="0" smtClean="0"/>
+              <a:t>Can see to each individual documents for details.</a:t>
+            </a:r>
+          </a:p>
+          <a:p>
+            <a:pPr lvl="1"/>
+            <a:endParaRPr lang="en-SG" dirty="0"/>
+          </a:p>
+        </p:txBody>
+      </p:sp>
+    </p:spTree>
+    <p:extLst>
+      <p:ext uri="{BB962C8B-B14F-4D97-AF65-F5344CB8AC3E}">
+        <p14:creationId xmlns:p14="http://schemas.microsoft.com/office/powerpoint/2010/main" val="1886027280"/>
+      </p:ext>
+    </p:extLst>
+  </p:cSld>
+  <p:clrMapOvr>
+    <a:masterClrMapping/>
+  </p:clrMapOvr>
+</p:sld>
+</file>
+
+<file path=ppt/slides/slide22.xml><?xml version="1.0" encoding="utf-8"?>
+<p:sld xmlns:a="http://schemas.openxmlformats.org/drawingml/2006/main" xmlns:r="http://schemas.openxmlformats.org/officeDocument/2006/relationships" xmlns:p="http://schemas.openxmlformats.org/presentationml/2006/main">
+  <p:cSld>
+    <p:spTree>
+      <p:nvGrpSpPr>
+        <p:cNvPr id="1" name=""/>
+        <p:cNvGrpSpPr/>
+        <p:nvPr/>
+      </p:nvGrpSpPr>
+      <p:grpSpPr>
+        <a:xfrm>
+          <a:off x="0" y="0"/>
+          <a:ext cx="0" cy="0"/>
+          <a:chOff x="0" y="0"/>
+          <a:chExt cx="0" cy="0"/>
+        </a:xfrm>
+      </p:grpSpPr>
+      <p:sp>
+        <p:nvSpPr>
+          <p:cNvPr id="7" name="Title 6"/>
+          <p:cNvSpPr>
+            <a:spLocks noGrp="1"/>
+          </p:cNvSpPr>
+          <p:nvPr>
+            <p:ph type="ctrTitle"/>
+          </p:nvPr>
+        </p:nvSpPr>
+        <p:spPr/>
+        <p:txBody>
+          <a:bodyPr/>
+          <a:lstStyle/>
+          <a:p>
+            <a:r>
+              <a:rPr lang="en-SG" dirty="0" smtClean="0"/>
+              <a:t>And that concludes our presentation.</a:t>
+            </a:r>
+            <a:endParaRPr lang="en-SG" dirty="0"/>
+          </a:p>
+        </p:txBody>
+      </p:sp>
+      <p:sp>
+        <p:nvSpPr>
+          <p:cNvPr id="8" name="Subtitle 7"/>
+          <p:cNvSpPr>
+            <a:spLocks noGrp="1"/>
+          </p:cNvSpPr>
+          <p:nvPr>
+            <p:ph type="subTitle" idx="1"/>
+          </p:nvPr>
+        </p:nvSpPr>
+        <p:spPr/>
+        <p:txBody>
+          <a:bodyPr/>
+          <a:lstStyle/>
+          <a:p>
+            <a:r>
+              <a:rPr lang="en-SG" dirty="0" smtClean="0"/>
+              <a:t>We hope you enjoy watching through it.</a:t>
+            </a:r>
+            <a:endParaRPr lang="en-SG" dirty="0"/>
+          </a:p>
+        </p:txBody>
+      </p:sp>
+    </p:spTree>
+    <p:extLst>
+      <p:ext uri="{BB962C8B-B14F-4D97-AF65-F5344CB8AC3E}">
+        <p14:creationId xmlns:p14="http://schemas.microsoft.com/office/powerpoint/2010/main" val="1699833819"/>
       </p:ext>
     </p:extLst>
   </p:cSld>
@@ -4981,8 +5550,19 @@
           <a:p>
             <a:r>
               <a:rPr lang="en-SG" dirty="0" smtClean="0"/>
-              <a:t>This project is done with the help of RUP (Rational Unified Process).</a:t>
-            </a:r>
+              <a:t>This project is done with the help of RUP (Rational Unified Process</a:t>
+            </a:r>
+            <a:r>
+              <a:rPr lang="en-SG" dirty="0" smtClean="0"/>
+              <a:t>).</a:t>
+            </a:r>
+          </a:p>
+          <a:p>
+            <a:r>
+              <a:rPr lang="en-SG" dirty="0" smtClean="0"/>
+              <a:t>The coding will be done in Assignment 2.</a:t>
+            </a:r>
+            <a:endParaRPr lang="en-SG" dirty="0" smtClean="0"/>
           </a:p>
         </p:txBody>
       </p:sp>
@@ -5944,13 +6524,11 @@
       </p:sp>
       <p:pic>
         <p:nvPicPr>
-          <p:cNvPr id="1026" name="Picture 2" descr="C:\Users\william\Documents\Screenshots\screenshot.13.png"/>
+          <p:cNvPr id="2050" name="Picture 1"/>
           <p:cNvPicPr>
-            <a:picLocks noGrp="1" noChangeAspect="1" noChangeArrowheads="1"/>
+            <a:picLocks noChangeAspect="1" noChangeArrowheads="1"/>
           </p:cNvPicPr>
-          <p:nvPr>
-            <p:ph sz="quarter" idx="1"/>
-          </p:nvPr>
+          <p:nvPr/>
         </p:nvPicPr>
         <p:blipFill>
           <a:blip r:embed="rId2">
@@ -5967,13 +6545,16 @@
         </p:blipFill>
         <p:spPr bwMode="auto">
           <a:xfrm>
-            <a:off x="609600" y="1905000"/>
-            <a:ext cx="4114286" cy="2504762"/>
+            <a:off x="1246909" y="1828800"/>
+            <a:ext cx="6648450" cy="4314825"/>
           </a:xfrm>
           <a:prstGeom prst="rect">
             <a:avLst/>
           </a:prstGeom>
           <a:noFill/>
+          <a:ln>
+            <a:noFill/>
+          </a:ln>
           <a:extLst>
             <a:ext uri="{909E8E84-426E-40DD-AFC4-6F175D3DCCD1}">
               <a14:hiddenFill xmlns:a14="http://schemas.microsoft.com/office/drawing/2010/main">
@@ -5982,46 +6563,15 @@
                 </a:solidFill>
               </a14:hiddenFill>
             </a:ext>
-          </a:extLst>
-        </p:spPr>
-      </p:pic>
-      <p:pic>
-        <p:nvPicPr>
-          <p:cNvPr id="1027" name="Picture 3" descr="C:\Users\william\Documents\Screenshots\screenshot.14.png"/>
-          <p:cNvPicPr>
-            <a:picLocks noChangeAspect="1" noChangeArrowheads="1"/>
-          </p:cNvPicPr>
-          <p:nvPr/>
-        </p:nvPicPr>
-        <p:blipFill>
-          <a:blip r:embed="rId3">
-            <a:extLst>
-              <a:ext uri="{28A0092B-C50C-407E-A947-70E740481C1C}">
-                <a14:useLocalDpi xmlns:a14="http://schemas.microsoft.com/office/drawing/2010/main" val="0"/>
-              </a:ext>
-            </a:extLst>
-          </a:blip>
-          <a:srcRect/>
-          <a:stretch>
-            <a:fillRect/>
-          </a:stretch>
-        </p:blipFill>
-        <p:spPr bwMode="auto">
-          <a:xfrm>
-            <a:off x="4724400" y="1905000"/>
-            <a:ext cx="3762375" cy="2876550"/>
-          </a:xfrm>
-          <a:prstGeom prst="rect">
-            <a:avLst/>
-          </a:prstGeom>
-          <a:noFill/>
-          <a:extLst>
-            <a:ext uri="{909E8E84-426E-40DD-AFC4-6F175D3DCCD1}">
-              <a14:hiddenFill xmlns:a14="http://schemas.microsoft.com/office/drawing/2010/main">
+            <a:ext uri="{91240B29-F687-4F45-9708-019B960494DF}">
+              <a14:hiddenLine xmlns:a14="http://schemas.microsoft.com/office/drawing/2010/main" w="9525">
                 <a:solidFill>
-                  <a:srgbClr val="FFFFFF"/>
+                  <a:srgbClr val="000000"/>
                 </a:solidFill>
-              </a14:hiddenFill>
+                <a:miter lim="800000"/>
+                <a:headEnd/>
+                <a:tailEnd/>
+              </a14:hiddenLine>
             </a:ext>
           </a:extLst>
         </p:spPr>

--- a/csci222 a1 ppt.pptx
+++ b/csci222 a1 ppt.pptx
@@ -16,17 +16,21 @@
     <p:sldId id="262" r:id="rId10"/>
     <p:sldId id="265" r:id="rId11"/>
     <p:sldId id="276" r:id="rId12"/>
-    <p:sldId id="266" r:id="rId13"/>
-    <p:sldId id="274" r:id="rId14"/>
-    <p:sldId id="267" r:id="rId15"/>
-    <p:sldId id="268" r:id="rId16"/>
-    <p:sldId id="269" r:id="rId17"/>
-    <p:sldId id="275" r:id="rId18"/>
-    <p:sldId id="277" r:id="rId19"/>
-    <p:sldId id="270" r:id="rId20"/>
-    <p:sldId id="271" r:id="rId21"/>
-    <p:sldId id="272" r:id="rId22"/>
-    <p:sldId id="273" r:id="rId23"/>
+    <p:sldId id="278" r:id="rId13"/>
+    <p:sldId id="279" r:id="rId14"/>
+    <p:sldId id="266" r:id="rId15"/>
+    <p:sldId id="274" r:id="rId16"/>
+    <p:sldId id="267" r:id="rId17"/>
+    <p:sldId id="268" r:id="rId18"/>
+    <p:sldId id="269" r:id="rId19"/>
+    <p:sldId id="275" r:id="rId20"/>
+    <p:sldId id="277" r:id="rId21"/>
+    <p:sldId id="280" r:id="rId22"/>
+    <p:sldId id="281" r:id="rId23"/>
+    <p:sldId id="270" r:id="rId24"/>
+    <p:sldId id="271" r:id="rId25"/>
+    <p:sldId id="272" r:id="rId26"/>
+    <p:sldId id="273" r:id="rId27"/>
   </p:sldIdLst>
   <p:sldSz cx="9144000" cy="6858000" type="screen4x3"/>
   <p:notesSz cx="6858000" cy="9144000"/>
@@ -125,6 +129,22 @@
       </a:defRPr>
     </a:lvl9pPr>
   </p:defaultTextStyle>
+  <p:extLst>
+    <p:ext uri="{EFAFB233-063F-42B5-8137-9DF3F51BA10A}">
+      <p15:sldGuideLst xmlns:p15="http://schemas.microsoft.com/office/powerpoint/2012/main">
+        <p15:guide id="1" orient="horz" pos="2160">
+          <p15:clr>
+            <a:srgbClr val="A4A3A4"/>
+          </p15:clr>
+        </p15:guide>
+        <p15:guide id="2" pos="2880">
+          <p15:clr>
+            <a:srgbClr val="A4A3A4"/>
+          </p15:clr>
+        </p15:guide>
+      </p15:sldGuideLst>
+    </p:ext>
+  </p:extLst>
 </p:presentation>
 </file>
 
@@ -420,7 +440,7 @@
             <a:fld id="{1D8BD707-D9CF-40AE-B4C6-C98DA3205C09}" type="datetimeFigureOut">
               <a:rPr lang="en-US" smtClean="0"/>
               <a:pPr/>
-              <a:t>2/14/2016</a:t>
+              <a:t>2/15/2016</a:t>
             </a:fld>
             <a:endParaRPr lang="en-US"/>
           </a:p>
@@ -613,7 +633,7 @@
             <a:fld id="{1D8BD707-D9CF-40AE-B4C6-C98DA3205C09}" type="datetimeFigureOut">
               <a:rPr lang="en-US" smtClean="0"/>
               <a:pPr/>
-              <a:t>2/14/2016</a:t>
+              <a:t>2/15/2016</a:t>
             </a:fld>
             <a:endParaRPr lang="en-US"/>
           </a:p>
@@ -800,7 +820,7 @@
             <a:fld id="{1D8BD707-D9CF-40AE-B4C6-C98DA3205C09}" type="datetimeFigureOut">
               <a:rPr lang="en-US" smtClean="0"/>
               <a:pPr/>
-              <a:t>2/14/2016</a:t>
+              <a:t>2/15/2016</a:t>
             </a:fld>
             <a:endParaRPr lang="en-US"/>
           </a:p>
@@ -1065,7 +1085,7 @@
             <a:fld id="{1D8BD707-D9CF-40AE-B4C6-C98DA3205C09}" type="datetimeFigureOut">
               <a:rPr lang="en-US" smtClean="0"/>
               <a:pPr/>
-              <a:t>2/14/2016</a:t>
+              <a:t>2/15/2016</a:t>
             </a:fld>
             <a:endParaRPr lang="en-US"/>
           </a:p>
@@ -1483,7 +1503,7 @@
             <a:fld id="{1D8BD707-D9CF-40AE-B4C6-C98DA3205C09}" type="datetimeFigureOut">
               <a:rPr lang="en-US" smtClean="0"/>
               <a:pPr/>
-              <a:t>2/14/2016</a:t>
+              <a:t>2/15/2016</a:t>
             </a:fld>
             <a:endParaRPr lang="en-US"/>
           </a:p>
@@ -1727,7 +1747,7 @@
             <a:fld id="{1D8BD707-D9CF-40AE-B4C6-C98DA3205C09}" type="datetimeFigureOut">
               <a:rPr lang="en-US" smtClean="0"/>
               <a:pPr/>
-              <a:t>2/14/2016</a:t>
+              <a:t>2/15/2016</a:t>
             </a:fld>
             <a:endParaRPr lang="en-US"/>
           </a:p>
@@ -1965,7 +1985,7 @@
             <a:fld id="{1D8BD707-D9CF-40AE-B4C6-C98DA3205C09}" type="datetimeFigureOut">
               <a:rPr lang="en-US" smtClean="0"/>
               <a:pPr/>
-              <a:t>2/14/2016</a:t>
+              <a:t>2/15/2016</a:t>
             </a:fld>
             <a:endParaRPr lang="en-US"/>
           </a:p>
@@ -2162,7 +2182,7 @@
             <a:fld id="{1D8BD707-D9CF-40AE-B4C6-C98DA3205C09}" type="datetimeFigureOut">
               <a:rPr lang="en-US" smtClean="0"/>
               <a:pPr/>
-              <a:t>2/14/2016</a:t>
+              <a:t>2/15/2016</a:t>
             </a:fld>
             <a:endParaRPr lang="en-US"/>
           </a:p>
@@ -2262,7 +2282,7 @@
             <a:fld id="{1D8BD707-D9CF-40AE-B4C6-C98DA3205C09}" type="datetimeFigureOut">
               <a:rPr lang="en-US" smtClean="0"/>
               <a:pPr/>
-              <a:t>2/14/2016</a:t>
+              <a:t>2/15/2016</a:t>
             </a:fld>
             <a:endParaRPr lang="en-US"/>
           </a:p>
@@ -2400,7 +2420,7 @@
             <a:fld id="{1D8BD707-D9CF-40AE-B4C6-C98DA3205C09}" type="datetimeFigureOut">
               <a:rPr lang="en-US" smtClean="0"/>
               <a:pPr/>
-              <a:t>2/14/2016</a:t>
+              <a:t>2/15/2016</a:t>
             </a:fld>
             <a:endParaRPr lang="en-US"/>
           </a:p>
@@ -2920,7 +2940,7 @@
             <a:fld id="{1D8BD707-D9CF-40AE-B4C6-C98DA3205C09}" type="datetimeFigureOut">
               <a:rPr lang="en-US" smtClean="0"/>
               <a:pPr/>
-              <a:t>2/14/2016</a:t>
+              <a:t>2/15/2016</a:t>
             </a:fld>
             <a:endParaRPr lang="en-US"/>
           </a:p>
@@ -3183,7 +3203,7 @@
             <a:fld id="{1D8BD707-D9CF-40AE-B4C6-C98DA3205C09}" type="datetimeFigureOut">
               <a:rPr lang="en-US" smtClean="0"/>
               <a:pPr/>
-              <a:t>2/14/2016</a:t>
+              <a:t>2/15/2016</a:t>
             </a:fld>
             <a:endParaRPr lang="en-US"/>
           </a:p>
@@ -3735,7 +3755,9 @@
         </p:nvSpPr>
         <p:spPr/>
         <p:txBody>
-          <a:bodyPr/>
+          <a:bodyPr>
+            <a:normAutofit fontScale="90000"/>
+          </a:bodyPr>
           <a:lstStyle/>
           <a:p>
             <a:r>
@@ -3972,19 +3994,23 @@
           <a:p>
             <a:r>
               <a:rPr lang="en-SG" dirty="0" smtClean="0"/>
-              <a:t>This is </a:t>
-            </a:r>
-            <a:r>
-              <a:rPr lang="en-SG" dirty="0" smtClean="0"/>
-              <a:t>one of our </a:t>
-            </a:r>
-            <a:r>
-              <a:rPr lang="en-SG" dirty="0" smtClean="0"/>
-              <a:t>v1 </a:t>
-            </a:r>
-            <a:r>
-              <a:rPr lang="en-SG" dirty="0" smtClean="0"/>
-              <a:t>Activity Diagrams (on club member wanting to book facilities).</a:t>
+              <a:t>This is one of our </a:t>
+            </a:r>
+            <a:r>
+              <a:rPr lang="en-SG" dirty="0" smtClean="0"/>
+              <a:t>v1 Activity </a:t>
+            </a:r>
+            <a:r>
+              <a:rPr lang="en-SG" dirty="0" smtClean="0"/>
+              <a:t>Diagrams (on club </a:t>
+            </a:r>
+            <a:r>
+              <a:rPr lang="en-SG" dirty="0" smtClean="0"/>
+              <a:t>member </a:t>
+            </a:r>
+            <a:r>
+              <a:rPr lang="en-SG" dirty="0" smtClean="0"/>
+              <a:t>wanting to book facilities).</a:t>
             </a:r>
             <a:endParaRPr lang="en-SG" dirty="0"/>
           </a:p>
@@ -3992,7 +4018,7 @@
       </p:sp>
       <p:pic>
         <p:nvPicPr>
-          <p:cNvPr id="4098" name="Picture 2" descr="Activity Diagram - Book Facilities"/>
+          <p:cNvPr id="2052" name="Picture 4" descr="Activity Diagram ITE 1"/>
           <p:cNvPicPr>
             <a:picLocks noChangeAspect="1" noChangeArrowheads="1"/>
           </p:cNvPicPr>
@@ -4013,8 +4039,8 @@
         </p:blipFill>
         <p:spPr bwMode="auto">
           <a:xfrm>
-            <a:off x="990600" y="2667000"/>
-            <a:ext cx="5016340" cy="3981450"/>
+            <a:off x="762000" y="2495550"/>
+            <a:ext cx="6638925" cy="3981450"/>
           </a:xfrm>
           <a:prstGeom prst="rect">
             <a:avLst/>
@@ -4090,6 +4116,320 @@
           <a:lstStyle/>
           <a:p>
             <a:r>
+              <a:rPr lang="en-SG" dirty="0" smtClean="0"/>
+              <a:t>Some </a:t>
+            </a:r>
+            <a:r>
+              <a:rPr lang="en-SG" dirty="0" err="1" smtClean="0"/>
+              <a:t>Brainstormings</a:t>
+            </a:r>
+            <a:r>
+              <a:rPr lang="en-SG" dirty="0" smtClean="0"/>
+              <a:t> Later…</a:t>
+            </a:r>
+            <a:endParaRPr lang="en-SG" dirty="0"/>
+          </a:p>
+        </p:txBody>
+      </p:sp>
+      <p:sp>
+        <p:nvSpPr>
+          <p:cNvPr id="3" name="Content Placeholder 2"/>
+          <p:cNvSpPr>
+            <a:spLocks noGrp="1"/>
+          </p:cNvSpPr>
+          <p:nvPr>
+            <p:ph sz="quarter" idx="1"/>
+          </p:nvPr>
+        </p:nvSpPr>
+        <p:spPr/>
+        <p:txBody>
+          <a:bodyPr/>
+          <a:lstStyle/>
+          <a:p>
+            <a:r>
+              <a:rPr lang="en-SG" dirty="0" smtClean="0"/>
+              <a:t>This is one of </a:t>
+            </a:r>
+            <a:r>
+              <a:rPr lang="en-SG" dirty="0" smtClean="0"/>
+              <a:t>our Activity </a:t>
+            </a:r>
+            <a:r>
+              <a:rPr lang="en-SG" dirty="0" smtClean="0"/>
+              <a:t>Diagrams (on club member wanting to </a:t>
+            </a:r>
+            <a:r>
+              <a:rPr lang="en-SG" dirty="0" smtClean="0"/>
+              <a:t>search for </a:t>
+            </a:r>
+            <a:r>
+              <a:rPr lang="en-SG" dirty="0" smtClean="0"/>
+              <a:t>facilities).</a:t>
+            </a:r>
+            <a:endParaRPr lang="en-SG" dirty="0"/>
+          </a:p>
+        </p:txBody>
+      </p:sp>
+      <p:pic>
+        <p:nvPicPr>
+          <p:cNvPr id="3075" name="Picture 3" descr="Activity Diagram ITE 1 - Search Facilities"/>
+          <p:cNvPicPr>
+            <a:picLocks noChangeAspect="1" noChangeArrowheads="1"/>
+          </p:cNvPicPr>
+          <p:nvPr/>
+        </p:nvPicPr>
+        <p:blipFill>
+          <a:blip r:embed="rId2">
+            <a:extLst>
+              <a:ext uri="{28A0092B-C50C-407E-A947-70E740481C1C}">
+                <a14:useLocalDpi xmlns:a14="http://schemas.microsoft.com/office/drawing/2010/main" val="0"/>
+              </a:ext>
+            </a:extLst>
+          </a:blip>
+          <a:srcRect/>
+          <a:stretch>
+            <a:fillRect/>
+          </a:stretch>
+        </p:blipFill>
+        <p:spPr bwMode="auto">
+          <a:xfrm>
+            <a:off x="762000" y="2667000"/>
+            <a:ext cx="6638925" cy="3886200"/>
+          </a:xfrm>
+          <a:prstGeom prst="rect">
+            <a:avLst/>
+          </a:prstGeom>
+          <a:noFill/>
+          <a:ln>
+            <a:noFill/>
+          </a:ln>
+          <a:extLst>
+            <a:ext uri="{909E8E84-426E-40DD-AFC4-6F175D3DCCD1}">
+              <a14:hiddenFill xmlns:a14="http://schemas.microsoft.com/office/drawing/2010/main">
+                <a:solidFill>
+                  <a:srgbClr val="FFFFFF"/>
+                </a:solidFill>
+              </a14:hiddenFill>
+            </a:ext>
+            <a:ext uri="{91240B29-F687-4F45-9708-019B960494DF}">
+              <a14:hiddenLine xmlns:a14="http://schemas.microsoft.com/office/drawing/2010/main" w="9525">
+                <a:solidFill>
+                  <a:srgbClr val="000000"/>
+                </a:solidFill>
+                <a:miter lim="800000"/>
+                <a:headEnd/>
+                <a:tailEnd/>
+              </a14:hiddenLine>
+            </a:ext>
+          </a:extLst>
+        </p:spPr>
+      </p:pic>
+    </p:spTree>
+    <p:extLst>
+      <p:ext uri="{BB962C8B-B14F-4D97-AF65-F5344CB8AC3E}">
+        <p14:creationId xmlns:p14="http://schemas.microsoft.com/office/powerpoint/2010/main" val="3184602192"/>
+      </p:ext>
+    </p:extLst>
+  </p:cSld>
+  <p:clrMapOvr>
+    <a:masterClrMapping/>
+  </p:clrMapOvr>
+</p:sld>
+</file>
+
+<file path=ppt/slides/slide13.xml><?xml version="1.0" encoding="utf-8"?>
+<p:sld xmlns:a="http://schemas.openxmlformats.org/drawingml/2006/main" xmlns:r="http://schemas.openxmlformats.org/officeDocument/2006/relationships" xmlns:p="http://schemas.openxmlformats.org/presentationml/2006/main">
+  <p:cSld>
+    <p:spTree>
+      <p:nvGrpSpPr>
+        <p:cNvPr id="1" name=""/>
+        <p:cNvGrpSpPr/>
+        <p:nvPr/>
+      </p:nvGrpSpPr>
+      <p:grpSpPr>
+        <a:xfrm>
+          <a:off x="0" y="0"/>
+          <a:ext cx="0" cy="0"/>
+          <a:chOff x="0" y="0"/>
+          <a:chExt cx="0" cy="0"/>
+        </a:xfrm>
+      </p:grpSpPr>
+      <p:sp>
+        <p:nvSpPr>
+          <p:cNvPr id="2" name="Title 1"/>
+          <p:cNvSpPr>
+            <a:spLocks noGrp="1"/>
+          </p:cNvSpPr>
+          <p:nvPr>
+            <p:ph type="title"/>
+          </p:nvPr>
+        </p:nvSpPr>
+        <p:spPr/>
+        <p:txBody>
+          <a:bodyPr/>
+          <a:lstStyle/>
+          <a:p>
+            <a:r>
+              <a:rPr lang="en-SG" dirty="0" smtClean="0"/>
+              <a:t>Some </a:t>
+            </a:r>
+            <a:r>
+              <a:rPr lang="en-SG" dirty="0" err="1" smtClean="0"/>
+              <a:t>Brainstormings</a:t>
+            </a:r>
+            <a:r>
+              <a:rPr lang="en-SG" dirty="0" smtClean="0"/>
+              <a:t> Later…</a:t>
+            </a:r>
+            <a:endParaRPr lang="en-SG" dirty="0"/>
+          </a:p>
+        </p:txBody>
+      </p:sp>
+      <p:sp>
+        <p:nvSpPr>
+          <p:cNvPr id="3" name="Content Placeholder 2"/>
+          <p:cNvSpPr>
+            <a:spLocks noGrp="1"/>
+          </p:cNvSpPr>
+          <p:nvPr>
+            <p:ph sz="quarter" idx="1"/>
+          </p:nvPr>
+        </p:nvSpPr>
+        <p:spPr/>
+        <p:txBody>
+          <a:bodyPr/>
+          <a:lstStyle/>
+          <a:p>
+            <a:r>
+              <a:rPr lang="en-SG" dirty="0" smtClean="0"/>
+              <a:t>This is one of our </a:t>
+            </a:r>
+            <a:r>
+              <a:rPr lang="en-SG" dirty="0" smtClean="0"/>
+              <a:t>Activity </a:t>
+            </a:r>
+            <a:r>
+              <a:rPr lang="en-SG" dirty="0" smtClean="0"/>
+              <a:t>Diagrams (on club member wanting to </a:t>
+            </a:r>
+            <a:r>
+              <a:rPr lang="en-SG" dirty="0" smtClean="0"/>
+              <a:t>Create </a:t>
+            </a:r>
+            <a:r>
+              <a:rPr lang="en-SG" dirty="0" smtClean="0"/>
+              <a:t>facilities</a:t>
+            </a:r>
+            <a:r>
+              <a:rPr lang="en-SG" dirty="0" smtClean="0"/>
+              <a:t>).</a:t>
+            </a:r>
+          </a:p>
+          <a:p>
+            <a:endParaRPr lang="en-SG" dirty="0"/>
+          </a:p>
+        </p:txBody>
+      </p:sp>
+      <p:pic>
+        <p:nvPicPr>
+          <p:cNvPr id="1029" name="Picture 5" descr="Activity Diagram ITE 1 - Create New Facilities"/>
+          <p:cNvPicPr>
+            <a:picLocks noChangeAspect="1" noChangeArrowheads="1"/>
+          </p:cNvPicPr>
+          <p:nvPr/>
+        </p:nvPicPr>
+        <p:blipFill>
+          <a:blip r:embed="rId2">
+            <a:extLst>
+              <a:ext uri="{28A0092B-C50C-407E-A947-70E740481C1C}">
+                <a14:useLocalDpi xmlns:a14="http://schemas.microsoft.com/office/drawing/2010/main" val="0"/>
+              </a:ext>
+            </a:extLst>
+          </a:blip>
+          <a:srcRect/>
+          <a:stretch>
+            <a:fillRect/>
+          </a:stretch>
+        </p:blipFill>
+        <p:spPr bwMode="auto">
+          <a:xfrm>
+            <a:off x="612648" y="2621304"/>
+            <a:ext cx="6648450" cy="4208724"/>
+          </a:xfrm>
+          <a:prstGeom prst="rect">
+            <a:avLst/>
+          </a:prstGeom>
+          <a:noFill/>
+          <a:ln>
+            <a:noFill/>
+          </a:ln>
+          <a:extLst>
+            <a:ext uri="{909E8E84-426E-40DD-AFC4-6F175D3DCCD1}">
+              <a14:hiddenFill xmlns:a14="http://schemas.microsoft.com/office/drawing/2010/main">
+                <a:solidFill>
+                  <a:srgbClr val="FFFFFF"/>
+                </a:solidFill>
+              </a14:hiddenFill>
+            </a:ext>
+            <a:ext uri="{91240B29-F687-4F45-9708-019B960494DF}">
+              <a14:hiddenLine xmlns:a14="http://schemas.microsoft.com/office/drawing/2010/main" w="9525">
+                <a:solidFill>
+                  <a:srgbClr val="000000"/>
+                </a:solidFill>
+                <a:miter lim="800000"/>
+                <a:headEnd/>
+                <a:tailEnd/>
+              </a14:hiddenLine>
+            </a:ext>
+          </a:extLst>
+        </p:spPr>
+      </p:pic>
+    </p:spTree>
+    <p:extLst>
+      <p:ext uri="{BB962C8B-B14F-4D97-AF65-F5344CB8AC3E}">
+        <p14:creationId xmlns:p14="http://schemas.microsoft.com/office/powerpoint/2010/main" val="3841170211"/>
+      </p:ext>
+    </p:extLst>
+  </p:cSld>
+  <p:clrMapOvr>
+    <a:masterClrMapping/>
+  </p:clrMapOvr>
+</p:sld>
+</file>
+
+<file path=ppt/slides/slide14.xml><?xml version="1.0" encoding="utf-8"?>
+<p:sld xmlns:a="http://schemas.openxmlformats.org/drawingml/2006/main" xmlns:r="http://schemas.openxmlformats.org/officeDocument/2006/relationships" xmlns:p="http://schemas.openxmlformats.org/presentationml/2006/main">
+  <p:cSld>
+    <p:spTree>
+      <p:nvGrpSpPr>
+        <p:cNvPr id="1" name=""/>
+        <p:cNvGrpSpPr/>
+        <p:nvPr/>
+      </p:nvGrpSpPr>
+      <p:grpSpPr>
+        <a:xfrm>
+          <a:off x="0" y="0"/>
+          <a:ext cx="0" cy="0"/>
+          <a:chOff x="0" y="0"/>
+          <a:chExt cx="0" cy="0"/>
+        </a:xfrm>
+      </p:grpSpPr>
+      <p:sp>
+        <p:nvSpPr>
+          <p:cNvPr id="2" name="Title 1"/>
+          <p:cNvSpPr>
+            <a:spLocks noGrp="1"/>
+          </p:cNvSpPr>
+          <p:nvPr>
+            <p:ph type="title"/>
+          </p:nvPr>
+        </p:nvSpPr>
+        <p:spPr/>
+        <p:txBody>
+          <a:bodyPr/>
+          <a:lstStyle/>
+          <a:p>
+            <a:r>
               <a:rPr lang="en-SG" dirty="0"/>
               <a:t>Some </a:t>
             </a:r>
@@ -4181,7 +4521,7 @@
 </p:sld>
 </file>
 
-<file path=ppt/slides/slide13.xml><?xml version="1.0" encoding="utf-8"?>
+<file path=ppt/slides/slide15.xml><?xml version="1.0" encoding="utf-8"?>
 <p:sld xmlns:a="http://schemas.openxmlformats.org/drawingml/2006/main" xmlns:r="http://schemas.openxmlformats.org/officeDocument/2006/relationships" xmlns:p="http://schemas.openxmlformats.org/presentationml/2006/main">
   <p:cSld>
     <p:spTree>
@@ -4245,11 +4585,7 @@
           <a:p>
             <a:r>
               <a:rPr lang="en-SG" dirty="0" smtClean="0"/>
-              <a:t>This is our </a:t>
-            </a:r>
-            <a:r>
-              <a:rPr lang="en-SG" dirty="0" smtClean="0"/>
-              <a:t>v1 Component Diagram.</a:t>
+              <a:t>This is our v1 Component Diagram.</a:t>
             </a:r>
             <a:endParaRPr lang="en-SG" dirty="0"/>
           </a:p>
@@ -4309,7 +4645,7 @@
 </p:sld>
 </file>
 
-<file path=ppt/slides/slide14.xml><?xml version="1.0" encoding="utf-8"?>
+<file path=ppt/slides/slide16.xml><?xml version="1.0" encoding="utf-8"?>
 <p:sld xmlns:a="http://schemas.openxmlformats.org/drawingml/2006/main" xmlns:r="http://schemas.openxmlformats.org/officeDocument/2006/relationships" xmlns:p="http://schemas.openxmlformats.org/presentationml/2006/main">
   <p:cSld>
     <p:spTree>
@@ -4434,7 +4770,7 @@
 </p:sld>
 </file>
 
-<file path=ppt/slides/slide15.xml><?xml version="1.0" encoding="utf-8"?>
+<file path=ppt/slides/slide17.xml><?xml version="1.0" encoding="utf-8"?>
 <p:sld xmlns:a="http://schemas.openxmlformats.org/drawingml/2006/main" xmlns:r="http://schemas.openxmlformats.org/officeDocument/2006/relationships" xmlns:p="http://schemas.openxmlformats.org/presentationml/2006/main">
   <p:cSld>
     <p:spTree>
@@ -4497,11 +4833,7 @@
           <a:p>
             <a:r>
               <a:rPr lang="en-SG" dirty="0" smtClean="0"/>
-              <a:t>The Class Diagram is still unfinished</a:t>
-            </a:r>
-            <a:r>
-              <a:rPr lang="en-SG" dirty="0" smtClean="0"/>
-              <a:t>.</a:t>
+              <a:t>The Class Diagram is still unfinished.</a:t>
             </a:r>
           </a:p>
           <a:p>
@@ -4517,7 +4849,6 @@
               <a:rPr lang="en-SG" dirty="0" smtClean="0"/>
               <a:t> the constraint (where’s the server and database?).</a:t>
             </a:r>
-            <a:endParaRPr lang="en-SG" dirty="0" smtClean="0"/>
           </a:p>
           <a:p>
             <a:r>
@@ -4547,7 +4878,7 @@
 </p:sld>
 </file>
 
-<file path=ppt/slides/slide16.xml><?xml version="1.0" encoding="utf-8"?>
+<file path=ppt/slides/slide18.xml><?xml version="1.0" encoding="utf-8"?>
 <p:sld xmlns:a="http://schemas.openxmlformats.org/drawingml/2006/main" xmlns:r="http://schemas.openxmlformats.org/officeDocument/2006/relationships" xmlns:p="http://schemas.openxmlformats.org/presentationml/2006/main">
   <p:cSld>
     <p:spTree>
@@ -4664,7 +4995,7 @@
 </p:sld>
 </file>
 
-<file path=ppt/slides/slide17.xml><?xml version="1.0" encoding="utf-8"?>
+<file path=ppt/slides/slide19.xml><?xml version="1.0" encoding="utf-8"?>
 <p:sld xmlns:a="http://schemas.openxmlformats.org/drawingml/2006/main" xmlns:r="http://schemas.openxmlformats.org/officeDocument/2006/relationships" xmlns:p="http://schemas.openxmlformats.org/presentationml/2006/main">
   <p:cSld>
     <p:spTree>
@@ -4721,11 +5052,7 @@
           <a:p>
             <a:r>
               <a:rPr lang="en-SG" dirty="0" smtClean="0"/>
-              <a:t>This is our final </a:t>
-            </a:r>
-            <a:r>
-              <a:rPr lang="en-SG" dirty="0" smtClean="0"/>
-              <a:t>Component Diagram.</a:t>
+              <a:t>This is our final Component Diagram.</a:t>
             </a:r>
             <a:endParaRPr lang="en-SG" dirty="0"/>
           </a:p>
@@ -4798,7 +5125,7 @@
 </p:sld>
 </file>
 
-<file path=ppt/slides/slide18.xml><?xml version="1.0" encoding="utf-8"?>
+<file path=ppt/slides/slide2.xml><?xml version="1.0" encoding="utf-8"?>
 <p:sld xmlns:a="http://schemas.openxmlformats.org/drawingml/2006/main" xmlns:r="http://schemas.openxmlformats.org/officeDocument/2006/relationships" xmlns:p="http://schemas.openxmlformats.org/presentationml/2006/main">
   <p:cSld>
     <p:spTree>
@@ -4832,6 +5159,123 @@
           <a:p>
             <a:r>
               <a:rPr lang="en-SG" dirty="0" smtClean="0"/>
+              <a:t>Group Members</a:t>
+            </a:r>
+            <a:endParaRPr lang="en-SG" dirty="0"/>
+          </a:p>
+        </p:txBody>
+      </p:sp>
+      <p:sp>
+        <p:nvSpPr>
+          <p:cNvPr id="3" name="Content Placeholder 2"/>
+          <p:cNvSpPr>
+            <a:spLocks noGrp="1"/>
+          </p:cNvSpPr>
+          <p:nvPr>
+            <p:ph sz="quarter" idx="1"/>
+          </p:nvPr>
+        </p:nvSpPr>
+        <p:spPr/>
+        <p:txBody>
+          <a:bodyPr/>
+          <a:lstStyle/>
+          <a:p>
+            <a:r>
+              <a:rPr lang="en-SG" dirty="0" smtClean="0"/>
+              <a:t>Nguyen </a:t>
+            </a:r>
+            <a:r>
+              <a:rPr lang="en-SG" dirty="0" err="1" smtClean="0"/>
+              <a:t>Duc</a:t>
+            </a:r>
+            <a:r>
+              <a:rPr lang="en-SG" dirty="0" smtClean="0"/>
+              <a:t> </a:t>
+            </a:r>
+            <a:r>
+              <a:rPr lang="en-SG" dirty="0" err="1" smtClean="0"/>
+              <a:t>Anh</a:t>
+            </a:r>
+            <a:endParaRPr lang="en-SG" dirty="0" smtClean="0"/>
+          </a:p>
+          <a:p>
+            <a:r>
+              <a:rPr lang="en-SG" dirty="0" smtClean="0"/>
+              <a:t>William </a:t>
+            </a:r>
+            <a:r>
+              <a:rPr lang="en-SG" dirty="0" err="1" smtClean="0"/>
+              <a:t>Wunady</a:t>
+            </a:r>
+            <a:endParaRPr lang="en-SG" dirty="0" smtClean="0"/>
+          </a:p>
+          <a:p>
+            <a:r>
+              <a:rPr lang="en-SG" dirty="0" err="1" smtClean="0"/>
+              <a:t>Ardyanto</a:t>
+            </a:r>
+            <a:endParaRPr lang="en-SG" dirty="0" smtClean="0"/>
+          </a:p>
+          <a:p>
+            <a:r>
+              <a:rPr lang="en-SG" dirty="0" smtClean="0"/>
+              <a:t>Wu Chin </a:t>
+            </a:r>
+            <a:r>
+              <a:rPr lang="en-SG" dirty="0" err="1" smtClean="0"/>
+              <a:t>Hwa</a:t>
+            </a:r>
+            <a:endParaRPr lang="en-SG" dirty="0"/>
+          </a:p>
+        </p:txBody>
+      </p:sp>
+    </p:spTree>
+    <p:extLst>
+      <p:ext uri="{BB962C8B-B14F-4D97-AF65-F5344CB8AC3E}">
+        <p14:creationId xmlns:p14="http://schemas.microsoft.com/office/powerpoint/2010/main" val="3955803790"/>
+      </p:ext>
+    </p:extLst>
+  </p:cSld>
+  <p:clrMapOvr>
+    <a:masterClrMapping/>
+  </p:clrMapOvr>
+</p:sld>
+</file>
+
+<file path=ppt/slides/slide20.xml><?xml version="1.0" encoding="utf-8"?>
+<p:sld xmlns:a="http://schemas.openxmlformats.org/drawingml/2006/main" xmlns:r="http://schemas.openxmlformats.org/officeDocument/2006/relationships" xmlns:p="http://schemas.openxmlformats.org/presentationml/2006/main">
+  <p:cSld>
+    <p:spTree>
+      <p:nvGrpSpPr>
+        <p:cNvPr id="1" name=""/>
+        <p:cNvGrpSpPr/>
+        <p:nvPr/>
+      </p:nvGrpSpPr>
+      <p:grpSpPr>
+        <a:xfrm>
+          <a:off x="0" y="0"/>
+          <a:ext cx="0" cy="0"/>
+          <a:chOff x="0" y="0"/>
+          <a:chExt cx="0" cy="0"/>
+        </a:xfrm>
+      </p:grpSpPr>
+      <p:sp>
+        <p:nvSpPr>
+          <p:cNvPr id="2" name="Title 1"/>
+          <p:cNvSpPr>
+            <a:spLocks noGrp="1"/>
+          </p:cNvSpPr>
+          <p:nvPr>
+            <p:ph type="title"/>
+          </p:nvPr>
+        </p:nvSpPr>
+        <p:spPr/>
+        <p:txBody>
+          <a:bodyPr/>
+          <a:lstStyle/>
+          <a:p>
+            <a:r>
+              <a:rPr lang="en-SG" dirty="0" smtClean="0"/>
               <a:t>After Fixing Mistakes…</a:t>
             </a:r>
             <a:endParaRPr lang="en-SG" dirty="0"/>
@@ -4855,11 +5299,7 @@
           <a:p>
             <a:r>
               <a:rPr lang="en-SG" dirty="0" smtClean="0"/>
-              <a:t>This is </a:t>
-            </a:r>
-            <a:r>
-              <a:rPr lang="en-SG" dirty="0" smtClean="0"/>
-              <a:t>the final version of one of the Activity Diagrams seen some slides before. </a:t>
+              <a:t>This is the final version of one of the Activity Diagrams seen some slides before. </a:t>
             </a:r>
             <a:endParaRPr lang="en-SG" dirty="0"/>
           </a:p>
@@ -4932,7 +5372,305 @@
 </p:sld>
 </file>
 
-<file path=ppt/slides/slide19.xml><?xml version="1.0" encoding="utf-8"?>
+<file path=ppt/slides/slide21.xml><?xml version="1.0" encoding="utf-8"?>
+<p:sld xmlns:a="http://schemas.openxmlformats.org/drawingml/2006/main" xmlns:r="http://schemas.openxmlformats.org/officeDocument/2006/relationships" xmlns:p="http://schemas.openxmlformats.org/presentationml/2006/main">
+  <p:cSld>
+    <p:spTree>
+      <p:nvGrpSpPr>
+        <p:cNvPr id="1" name=""/>
+        <p:cNvGrpSpPr/>
+        <p:nvPr/>
+      </p:nvGrpSpPr>
+      <p:grpSpPr>
+        <a:xfrm>
+          <a:off x="0" y="0"/>
+          <a:ext cx="0" cy="0"/>
+          <a:chOff x="0" y="0"/>
+          <a:chExt cx="0" cy="0"/>
+        </a:xfrm>
+      </p:grpSpPr>
+      <p:sp>
+        <p:nvSpPr>
+          <p:cNvPr id="2" name="Title 1"/>
+          <p:cNvSpPr>
+            <a:spLocks noGrp="1"/>
+          </p:cNvSpPr>
+          <p:nvPr>
+            <p:ph type="title"/>
+          </p:nvPr>
+        </p:nvSpPr>
+        <p:spPr/>
+        <p:txBody>
+          <a:bodyPr/>
+          <a:lstStyle/>
+          <a:p>
+            <a:r>
+              <a:rPr lang="en-SG" dirty="0"/>
+              <a:t>After Fixing Mistakes…</a:t>
+            </a:r>
+            <a:endParaRPr lang="en-SG" dirty="0"/>
+          </a:p>
+        </p:txBody>
+      </p:sp>
+      <p:sp>
+        <p:nvSpPr>
+          <p:cNvPr id="3" name="Content Placeholder 2"/>
+          <p:cNvSpPr>
+            <a:spLocks noGrp="1"/>
+          </p:cNvSpPr>
+          <p:nvPr>
+            <p:ph sz="quarter" idx="1"/>
+          </p:nvPr>
+        </p:nvSpPr>
+        <p:spPr/>
+        <p:txBody>
+          <a:bodyPr/>
+          <a:lstStyle/>
+          <a:p>
+            <a:r>
+              <a:rPr lang="en-SG" dirty="0" smtClean="0"/>
+              <a:t>This is one of </a:t>
+            </a:r>
+            <a:r>
+              <a:rPr lang="en-SG" dirty="0" smtClean="0"/>
+              <a:t>our Activity </a:t>
+            </a:r>
+            <a:r>
+              <a:rPr lang="en-SG" dirty="0" smtClean="0"/>
+              <a:t>Diagrams (on club member wanting to </a:t>
+            </a:r>
+            <a:r>
+              <a:rPr lang="en-SG" dirty="0" smtClean="0"/>
+              <a:t>search for </a:t>
+            </a:r>
+            <a:r>
+              <a:rPr lang="en-SG" dirty="0" smtClean="0"/>
+              <a:t>facilities).</a:t>
+            </a:r>
+            <a:endParaRPr lang="en-SG" dirty="0"/>
+          </a:p>
+        </p:txBody>
+      </p:sp>
+      <p:pic>
+        <p:nvPicPr>
+          <p:cNvPr id="3074" name="Picture 2" descr="Activity Diagram - Search Facilities"/>
+          <p:cNvPicPr>
+            <a:picLocks noChangeAspect="1" noChangeArrowheads="1"/>
+          </p:cNvPicPr>
+          <p:nvPr/>
+        </p:nvPicPr>
+        <p:blipFill>
+          <a:blip r:embed="rId2">
+            <a:extLst>
+              <a:ext uri="{28A0092B-C50C-407E-A947-70E740481C1C}">
+                <a14:useLocalDpi xmlns:a14="http://schemas.microsoft.com/office/drawing/2010/main" val="0"/>
+              </a:ext>
+            </a:extLst>
+          </a:blip>
+          <a:srcRect/>
+          <a:stretch>
+            <a:fillRect/>
+          </a:stretch>
+        </p:blipFill>
+        <p:spPr bwMode="auto">
+          <a:xfrm>
+            <a:off x="762000" y="2715168"/>
+            <a:ext cx="6638925" cy="3729037"/>
+          </a:xfrm>
+          <a:prstGeom prst="rect">
+            <a:avLst/>
+          </a:prstGeom>
+          <a:noFill/>
+          <a:ln>
+            <a:noFill/>
+          </a:ln>
+          <a:extLst>
+            <a:ext uri="{909E8E84-426E-40DD-AFC4-6F175D3DCCD1}">
+              <a14:hiddenFill xmlns:a14="http://schemas.microsoft.com/office/drawing/2010/main">
+                <a:solidFill>
+                  <a:srgbClr val="FFFFFF"/>
+                </a:solidFill>
+              </a14:hiddenFill>
+            </a:ext>
+            <a:ext uri="{91240B29-F687-4F45-9708-019B960494DF}">
+              <a14:hiddenLine xmlns:a14="http://schemas.microsoft.com/office/drawing/2010/main" w="9525">
+                <a:solidFill>
+                  <a:srgbClr val="000000"/>
+                </a:solidFill>
+                <a:miter lim="800000"/>
+                <a:headEnd/>
+                <a:tailEnd/>
+              </a14:hiddenLine>
+            </a:ext>
+          </a:extLst>
+        </p:spPr>
+      </p:pic>
+    </p:spTree>
+    <p:extLst>
+      <p:ext uri="{BB962C8B-B14F-4D97-AF65-F5344CB8AC3E}">
+        <p14:creationId xmlns:p14="http://schemas.microsoft.com/office/powerpoint/2010/main" val="2049835020"/>
+      </p:ext>
+    </p:extLst>
+  </p:cSld>
+  <p:clrMapOvr>
+    <a:masterClrMapping/>
+  </p:clrMapOvr>
+</p:sld>
+</file>
+
+<file path=ppt/slides/slide22.xml><?xml version="1.0" encoding="utf-8"?>
+<p:sld xmlns:a="http://schemas.openxmlformats.org/drawingml/2006/main" xmlns:r="http://schemas.openxmlformats.org/officeDocument/2006/relationships" xmlns:p="http://schemas.openxmlformats.org/presentationml/2006/main">
+  <p:cSld>
+    <p:spTree>
+      <p:nvGrpSpPr>
+        <p:cNvPr id="1" name=""/>
+        <p:cNvGrpSpPr/>
+        <p:nvPr/>
+      </p:nvGrpSpPr>
+      <p:grpSpPr>
+        <a:xfrm>
+          <a:off x="0" y="0"/>
+          <a:ext cx="0" cy="0"/>
+          <a:chOff x="0" y="0"/>
+          <a:chExt cx="0" cy="0"/>
+        </a:xfrm>
+      </p:grpSpPr>
+      <p:sp>
+        <p:nvSpPr>
+          <p:cNvPr id="2" name="Title 1"/>
+          <p:cNvSpPr>
+            <a:spLocks noGrp="1"/>
+          </p:cNvSpPr>
+          <p:nvPr>
+            <p:ph type="title"/>
+          </p:nvPr>
+        </p:nvSpPr>
+        <p:spPr/>
+        <p:txBody>
+          <a:bodyPr/>
+          <a:lstStyle/>
+          <a:p>
+            <a:r>
+              <a:rPr lang="en-SG" dirty="0"/>
+              <a:t>After Fixing Mistakes…</a:t>
+            </a:r>
+            <a:endParaRPr lang="en-SG" dirty="0"/>
+          </a:p>
+        </p:txBody>
+      </p:sp>
+      <p:sp>
+        <p:nvSpPr>
+          <p:cNvPr id="3" name="Content Placeholder 2"/>
+          <p:cNvSpPr>
+            <a:spLocks noGrp="1"/>
+          </p:cNvSpPr>
+          <p:nvPr>
+            <p:ph sz="quarter" idx="1"/>
+          </p:nvPr>
+        </p:nvSpPr>
+        <p:spPr/>
+        <p:txBody>
+          <a:bodyPr/>
+          <a:lstStyle/>
+          <a:p>
+            <a:r>
+              <a:rPr lang="en-SG" dirty="0" smtClean="0"/>
+              <a:t>This is one of our </a:t>
+            </a:r>
+            <a:r>
+              <a:rPr lang="en-SG" dirty="0" smtClean="0"/>
+              <a:t>Activity </a:t>
+            </a:r>
+            <a:r>
+              <a:rPr lang="en-SG" dirty="0" smtClean="0"/>
+              <a:t>Diagrams (on club member wanting to </a:t>
+            </a:r>
+            <a:r>
+              <a:rPr lang="en-SG" dirty="0" smtClean="0"/>
+              <a:t>Create </a:t>
+            </a:r>
+            <a:r>
+              <a:rPr lang="en-SG" dirty="0" smtClean="0"/>
+              <a:t>facilities</a:t>
+            </a:r>
+            <a:r>
+              <a:rPr lang="en-SG" dirty="0" smtClean="0"/>
+              <a:t>).</a:t>
+            </a:r>
+          </a:p>
+          <a:p>
+            <a:endParaRPr lang="en-SG" dirty="0"/>
+          </a:p>
+        </p:txBody>
+      </p:sp>
+      <p:pic>
+        <p:nvPicPr>
+          <p:cNvPr id="1028" name="Picture 4" descr="Activity Diagram - Create New Facilities"/>
+          <p:cNvPicPr>
+            <a:picLocks noChangeAspect="1" noChangeArrowheads="1"/>
+          </p:cNvPicPr>
+          <p:nvPr/>
+        </p:nvPicPr>
+        <p:blipFill>
+          <a:blip r:embed="rId2">
+            <a:extLst>
+              <a:ext uri="{28A0092B-C50C-407E-A947-70E740481C1C}">
+                <a14:useLocalDpi xmlns:a14="http://schemas.microsoft.com/office/drawing/2010/main" val="0"/>
+              </a:ext>
+            </a:extLst>
+          </a:blip>
+          <a:srcRect/>
+          <a:stretch>
+            <a:fillRect/>
+          </a:stretch>
+        </p:blipFill>
+        <p:spPr bwMode="auto">
+          <a:xfrm>
+            <a:off x="838200" y="2514600"/>
+            <a:ext cx="6638925" cy="4191000"/>
+          </a:xfrm>
+          <a:prstGeom prst="rect">
+            <a:avLst/>
+          </a:prstGeom>
+          <a:noFill/>
+          <a:ln>
+            <a:noFill/>
+          </a:ln>
+          <a:extLst>
+            <a:ext uri="{909E8E84-426E-40DD-AFC4-6F175D3DCCD1}">
+              <a14:hiddenFill xmlns:a14="http://schemas.microsoft.com/office/drawing/2010/main">
+                <a:solidFill>
+                  <a:srgbClr val="FFFFFF"/>
+                </a:solidFill>
+              </a14:hiddenFill>
+            </a:ext>
+            <a:ext uri="{91240B29-F687-4F45-9708-019B960494DF}">
+              <a14:hiddenLine xmlns:a14="http://schemas.microsoft.com/office/drawing/2010/main" w="9525">
+                <a:solidFill>
+                  <a:srgbClr val="000000"/>
+                </a:solidFill>
+                <a:miter lim="800000"/>
+                <a:headEnd/>
+                <a:tailEnd/>
+              </a14:hiddenLine>
+            </a:ext>
+          </a:extLst>
+        </p:spPr>
+      </p:pic>
+    </p:spTree>
+    <p:extLst>
+      <p:ext uri="{BB962C8B-B14F-4D97-AF65-F5344CB8AC3E}">
+        <p14:creationId xmlns:p14="http://schemas.microsoft.com/office/powerpoint/2010/main" val="1423212304"/>
+      </p:ext>
+    </p:extLst>
+  </p:cSld>
+  <p:clrMapOvr>
+    <a:masterClrMapping/>
+  </p:clrMapOvr>
+</p:sld>
+</file>
+
+<file path=ppt/slides/slide23.xml><?xml version="1.0" encoding="utf-8"?>
 <p:sld xmlns:a="http://schemas.openxmlformats.org/drawingml/2006/main" xmlns:r="http://schemas.openxmlformats.org/officeDocument/2006/relationships" xmlns:p="http://schemas.openxmlformats.org/presentationml/2006/main">
   <p:cSld>
     <p:spTree>
@@ -5049,7 +5787,7 @@
 </p:sld>
 </file>
 
-<file path=ppt/slides/slide2.xml><?xml version="1.0" encoding="utf-8"?>
+<file path=ppt/slides/slide24.xml><?xml version="1.0" encoding="utf-8"?>
 <p:sld xmlns:a="http://schemas.openxmlformats.org/drawingml/2006/main" xmlns:r="http://schemas.openxmlformats.org/officeDocument/2006/relationships" xmlns:p="http://schemas.openxmlformats.org/presentationml/2006/main">
   <p:cSld>
     <p:spTree>
@@ -5083,7 +5821,15 @@
           <a:p>
             <a:r>
               <a:rPr lang="en-SG" dirty="0" smtClean="0"/>
-              <a:t>Group Members</a:t>
+              <a:t>3</a:t>
+            </a:r>
+            <a:r>
+              <a:rPr lang="en-SG" baseline="30000" dirty="0" smtClean="0"/>
+              <a:t>rd</a:t>
+            </a:r>
+            <a:r>
+              <a:rPr lang="en-SG" dirty="0" smtClean="0"/>
+              <a:t> and Final Group Meeting</a:t>
             </a:r>
             <a:endParaRPr lang="en-SG" dirty="0"/>
           </a:p>
@@ -5106,48 +5852,27 @@
           <a:p>
             <a:r>
               <a:rPr lang="en-SG" dirty="0" smtClean="0"/>
-              <a:t>Nguyen </a:t>
-            </a:r>
-            <a:r>
-              <a:rPr lang="en-SG" dirty="0" err="1" smtClean="0"/>
-              <a:t>Duc</a:t>
-            </a:r>
-            <a:r>
-              <a:rPr lang="en-SG" dirty="0" smtClean="0"/>
-              <a:t> </a:t>
-            </a:r>
-            <a:r>
-              <a:rPr lang="en-SG" dirty="0" err="1" smtClean="0"/>
-              <a:t>Anh</a:t>
-            </a:r>
-            <a:endParaRPr lang="en-SG" dirty="0" smtClean="0"/>
-          </a:p>
-          <a:p>
-            <a:r>
-              <a:rPr lang="en-SG" dirty="0" smtClean="0"/>
-              <a:t>William </a:t>
-            </a:r>
-            <a:r>
-              <a:rPr lang="en-SG" dirty="0" err="1" smtClean="0"/>
-              <a:t>Wunady</a:t>
-            </a:r>
-            <a:endParaRPr lang="en-SG" dirty="0" smtClean="0"/>
-          </a:p>
-          <a:p>
-            <a:r>
-              <a:rPr lang="en-SG" dirty="0" err="1" smtClean="0"/>
-              <a:t>Ardyanto</a:t>
-            </a:r>
-            <a:endParaRPr lang="en-SG" dirty="0" smtClean="0"/>
-          </a:p>
-          <a:p>
-            <a:r>
-              <a:rPr lang="en-SG" dirty="0" smtClean="0"/>
-              <a:t>Wu Chin </a:t>
-            </a:r>
-            <a:r>
-              <a:rPr lang="en-SG" dirty="0" err="1" smtClean="0"/>
-              <a:t>Hwa</a:t>
+              <a:t>After cross-checking our work between each other, we deemed it to </a:t>
+            </a:r>
+            <a:r>
+              <a:rPr lang="en-SG" smtClean="0"/>
+              <a:t>be good </a:t>
+            </a:r>
+            <a:r>
+              <a:rPr lang="en-SG" dirty="0" smtClean="0"/>
+              <a:t>enough for the project.</a:t>
+            </a:r>
+          </a:p>
+          <a:p>
+            <a:r>
+              <a:rPr lang="en-SG" dirty="0" smtClean="0"/>
+              <a:t>Now we are left with making the SRS (since we have done the Requirements List already) and the reports.</a:t>
+            </a:r>
+          </a:p>
+          <a:p>
+            <a:r>
+              <a:rPr lang="en-SG" dirty="0" smtClean="0"/>
+              <a:t>We also compiled the materials to include in our presentation.</a:t>
             </a:r>
             <a:endParaRPr lang="en-SG" dirty="0"/>
           </a:p>
@@ -5156,7 +5881,7 @@
     </p:spTree>
     <p:extLst>
       <p:ext uri="{BB962C8B-B14F-4D97-AF65-F5344CB8AC3E}">
-        <p14:creationId xmlns:p14="http://schemas.microsoft.com/office/powerpoint/2010/main" val="3955803790"/>
+        <p14:creationId xmlns:p14="http://schemas.microsoft.com/office/powerpoint/2010/main" val="999104497"/>
       </p:ext>
     </p:extLst>
   </p:cSld>
@@ -5166,7 +5891,7 @@
 </p:sld>
 </file>
 
-<file path=ppt/slides/slide20.xml><?xml version="1.0" encoding="utf-8"?>
+<file path=ppt/slides/slide25.xml><?xml version="1.0" encoding="utf-8"?>
 <p:sld xmlns:a="http://schemas.openxmlformats.org/drawingml/2006/main" xmlns:r="http://schemas.openxmlformats.org/officeDocument/2006/relationships" xmlns:p="http://schemas.openxmlformats.org/presentationml/2006/main">
   <p:cSld>
     <p:spTree>
@@ -5200,15 +5925,7 @@
           <a:p>
             <a:r>
               <a:rPr lang="en-SG" dirty="0" smtClean="0"/>
-              <a:t>3</a:t>
-            </a:r>
-            <a:r>
-              <a:rPr lang="en-SG" baseline="30000" dirty="0" smtClean="0"/>
-              <a:t>rd</a:t>
-            </a:r>
-            <a:r>
-              <a:rPr lang="en-SG" dirty="0" smtClean="0"/>
-              <a:t> and Final Group Meeting</a:t>
+              <a:t>Reports Included</a:t>
             </a:r>
             <a:endParaRPr lang="en-SG" dirty="0"/>
           </a:p>
@@ -5231,28 +5948,67 @@
           <a:p>
             <a:r>
               <a:rPr lang="en-SG" dirty="0" smtClean="0"/>
-              <a:t>After cross-checking our work between each other, we deemed it to </a:t>
-            </a:r>
-            <a:r>
-              <a:rPr lang="en-SG" smtClean="0"/>
-              <a:t>be good </a:t>
-            </a:r>
-            <a:r>
-              <a:rPr lang="en-SG" dirty="0" smtClean="0"/>
-              <a:t>enough for the project.</a:t>
-            </a:r>
-          </a:p>
-          <a:p>
-            <a:r>
-              <a:rPr lang="en-SG" dirty="0" smtClean="0"/>
-              <a:t>Now we are left with making the SRS (since we have done the Requirements List already) and the reports.</a:t>
-            </a:r>
-          </a:p>
-          <a:p>
-            <a:r>
-              <a:rPr lang="en-SG" dirty="0" smtClean="0"/>
-              <a:t>We also compiled the materials to include in our presentation.</a:t>
-            </a:r>
+              <a:t>Reports included are :</a:t>
+            </a:r>
+          </a:p>
+          <a:p>
+            <a:pPr lvl="1"/>
+            <a:r>
+              <a:rPr lang="en-SG" dirty="0" smtClean="0"/>
+              <a:t>Detailed use case scenarios for each actor.</a:t>
+            </a:r>
+          </a:p>
+          <a:p>
+            <a:pPr lvl="1"/>
+            <a:r>
+              <a:rPr lang="en-SG" dirty="0" smtClean="0"/>
+              <a:t>Project Risk Analysis and Management.</a:t>
+            </a:r>
+          </a:p>
+          <a:p>
+            <a:pPr lvl="1"/>
+            <a:r>
+              <a:rPr lang="en-SG" dirty="0" smtClean="0"/>
+              <a:t>SVN Reports (Evidence of the usage of VCS).</a:t>
+            </a:r>
+          </a:p>
+          <a:p>
+            <a:pPr lvl="1"/>
+            <a:r>
+              <a:rPr lang="en-SG" dirty="0" smtClean="0"/>
+              <a:t>Individual member work diaries.</a:t>
+            </a:r>
+          </a:p>
+          <a:p>
+            <a:pPr lvl="1"/>
+            <a:r>
+              <a:rPr lang="en-SG" dirty="0" smtClean="0"/>
+              <a:t>Reports of all three group meetings.</a:t>
+            </a:r>
+          </a:p>
+          <a:p>
+            <a:pPr lvl="1"/>
+            <a:r>
+              <a:rPr lang="en-SG" dirty="0" smtClean="0"/>
+              <a:t>Detailed Project overview and plans.</a:t>
+            </a:r>
+          </a:p>
+          <a:p>
+            <a:pPr lvl="1"/>
+            <a:r>
+              <a:rPr lang="en-SG" dirty="0" smtClean="0"/>
+              <a:t>SRS (System Requirements Specifications).</a:t>
+            </a:r>
+          </a:p>
+          <a:p>
+            <a:pPr lvl="1"/>
+            <a:r>
+              <a:rPr lang="en-SG" dirty="0" smtClean="0"/>
+              <a:t>Can see to each individual documents for details.</a:t>
+            </a:r>
+          </a:p>
+          <a:p>
+            <a:pPr lvl="1"/>
             <a:endParaRPr lang="en-SG" dirty="0"/>
           </a:p>
         </p:txBody>
@@ -5260,7 +6016,7 @@
     </p:spTree>
     <p:extLst>
       <p:ext uri="{BB962C8B-B14F-4D97-AF65-F5344CB8AC3E}">
-        <p14:creationId xmlns:p14="http://schemas.microsoft.com/office/powerpoint/2010/main" val="999104497"/>
+        <p14:creationId xmlns:p14="http://schemas.microsoft.com/office/powerpoint/2010/main" val="1886027280"/>
       </p:ext>
     </p:extLst>
   </p:cSld>
@@ -5270,7 +6026,7 @@
 </p:sld>
 </file>
 
-<file path=ppt/slides/slide21.xml><?xml version="1.0" encoding="utf-8"?>
+<file path=ppt/slides/slide26.xml><?xml version="1.0" encoding="utf-8"?>
 <p:sld xmlns:a="http://schemas.openxmlformats.org/drawingml/2006/main" xmlns:r="http://schemas.openxmlformats.org/officeDocument/2006/relationships" xmlns:p="http://schemas.openxmlformats.org/presentationml/2006/main">
   <p:cSld>
     <p:spTree>
@@ -5289,152 +6045,19 @@
       </p:grpSpPr>
       <p:sp>
         <p:nvSpPr>
-          <p:cNvPr id="2" name="Title 1"/>
-          <p:cNvSpPr>
-            <a:spLocks noGrp="1"/>
-          </p:cNvSpPr>
-          <p:nvPr>
-            <p:ph type="title"/>
+          <p:cNvPr id="7" name="Title 6"/>
+          <p:cNvSpPr>
+            <a:spLocks noGrp="1"/>
+          </p:cNvSpPr>
+          <p:nvPr>
+            <p:ph type="ctrTitle"/>
           </p:nvPr>
         </p:nvSpPr>
         <p:spPr/>
         <p:txBody>
-          <a:bodyPr/>
-          <a:lstStyle/>
-          <a:p>
-            <a:r>
-              <a:rPr lang="en-SG" dirty="0" smtClean="0"/>
-              <a:t>Reports Included</a:t>
-            </a:r>
-            <a:endParaRPr lang="en-SG" dirty="0"/>
-          </a:p>
-        </p:txBody>
-      </p:sp>
-      <p:sp>
-        <p:nvSpPr>
-          <p:cNvPr id="3" name="Content Placeholder 2"/>
-          <p:cNvSpPr>
-            <a:spLocks noGrp="1"/>
-          </p:cNvSpPr>
-          <p:nvPr>
-            <p:ph sz="quarter" idx="1"/>
-          </p:nvPr>
-        </p:nvSpPr>
-        <p:spPr/>
-        <p:txBody>
-          <a:bodyPr/>
-          <a:lstStyle/>
-          <a:p>
-            <a:r>
-              <a:rPr lang="en-SG" dirty="0" smtClean="0"/>
-              <a:t>Reports included are :</a:t>
-            </a:r>
-          </a:p>
-          <a:p>
-            <a:pPr lvl="1"/>
-            <a:r>
-              <a:rPr lang="en-SG" dirty="0" smtClean="0"/>
-              <a:t>Detailed use case scenarios for each actor.</a:t>
-            </a:r>
-          </a:p>
-          <a:p>
-            <a:pPr lvl="1"/>
-            <a:r>
-              <a:rPr lang="en-SG" dirty="0" smtClean="0"/>
-              <a:t>Project Risk Analysis and Management.</a:t>
-            </a:r>
-          </a:p>
-          <a:p>
-            <a:pPr lvl="1"/>
-            <a:r>
-              <a:rPr lang="en-SG" dirty="0" smtClean="0"/>
-              <a:t>SVN Reports (Evidence of the usage of VCS).</a:t>
-            </a:r>
-          </a:p>
-          <a:p>
-            <a:pPr lvl="1"/>
-            <a:r>
-              <a:rPr lang="en-SG" dirty="0" smtClean="0"/>
-              <a:t>Individual member work diaries.</a:t>
-            </a:r>
-          </a:p>
-          <a:p>
-            <a:pPr lvl="1"/>
-            <a:r>
-              <a:rPr lang="en-SG" dirty="0" smtClean="0"/>
-              <a:t>Reports of all three group meetings.</a:t>
-            </a:r>
-          </a:p>
-          <a:p>
-            <a:pPr lvl="1"/>
-            <a:r>
-              <a:rPr lang="en-SG" dirty="0" smtClean="0"/>
-              <a:t>Detailed Project overview and plans.</a:t>
-            </a:r>
-          </a:p>
-          <a:p>
-            <a:pPr lvl="1"/>
-            <a:r>
-              <a:rPr lang="en-SG" dirty="0" smtClean="0"/>
-              <a:t>SRS (System Requirements Specifications).</a:t>
-            </a:r>
-          </a:p>
-          <a:p>
-            <a:pPr lvl="1"/>
-            <a:r>
-              <a:rPr lang="en-SG" dirty="0" smtClean="0"/>
-              <a:t>Can see to each individual documents for details.</a:t>
-            </a:r>
-          </a:p>
-          <a:p>
-            <a:pPr lvl="1"/>
-            <a:endParaRPr lang="en-SG" dirty="0"/>
-          </a:p>
-        </p:txBody>
-      </p:sp>
-    </p:spTree>
-    <p:extLst>
-      <p:ext uri="{BB962C8B-B14F-4D97-AF65-F5344CB8AC3E}">
-        <p14:creationId xmlns:p14="http://schemas.microsoft.com/office/powerpoint/2010/main" val="1886027280"/>
-      </p:ext>
-    </p:extLst>
-  </p:cSld>
-  <p:clrMapOvr>
-    <a:masterClrMapping/>
-  </p:clrMapOvr>
-</p:sld>
-</file>
-
-<file path=ppt/slides/slide22.xml><?xml version="1.0" encoding="utf-8"?>
-<p:sld xmlns:a="http://schemas.openxmlformats.org/drawingml/2006/main" xmlns:r="http://schemas.openxmlformats.org/officeDocument/2006/relationships" xmlns:p="http://schemas.openxmlformats.org/presentationml/2006/main">
-  <p:cSld>
-    <p:spTree>
-      <p:nvGrpSpPr>
-        <p:cNvPr id="1" name=""/>
-        <p:cNvGrpSpPr/>
-        <p:nvPr/>
-      </p:nvGrpSpPr>
-      <p:grpSpPr>
-        <a:xfrm>
-          <a:off x="0" y="0"/>
-          <a:ext cx="0" cy="0"/>
-          <a:chOff x="0" y="0"/>
-          <a:chExt cx="0" cy="0"/>
-        </a:xfrm>
-      </p:grpSpPr>
-      <p:sp>
-        <p:nvSpPr>
-          <p:cNvPr id="7" name="Title 6"/>
-          <p:cNvSpPr>
-            <a:spLocks noGrp="1"/>
-          </p:cNvSpPr>
-          <p:nvPr>
-            <p:ph type="ctrTitle"/>
-          </p:nvPr>
-        </p:nvSpPr>
-        <p:spPr/>
-        <p:txBody>
-          <a:bodyPr/>
+          <a:bodyPr>
+            <a:normAutofit fontScale="90000"/>
+          </a:bodyPr>
           <a:lstStyle/>
           <a:p>
             <a:r>
@@ -5550,11 +6173,7 @@
           <a:p>
             <a:r>
               <a:rPr lang="en-SG" dirty="0" smtClean="0"/>
-              <a:t>This project is done with the help of RUP (Rational Unified Process</a:t>
-            </a:r>
-            <a:r>
-              <a:rPr lang="en-SG" dirty="0" smtClean="0"/>
-              <a:t>).</a:t>
+              <a:t>This project is done with the help of RUP (Rational Unified Process).</a:t>
             </a:r>
           </a:p>
           <a:p>
@@ -5562,7 +6181,6 @@
               <a:rPr lang="en-SG" dirty="0" smtClean="0"/>
               <a:t>The coding will be done in Assignment 2.</a:t>
             </a:r>
-            <a:endParaRPr lang="en-SG" dirty="0" smtClean="0"/>
           </a:p>
         </p:txBody>
       </p:sp>
@@ -5874,7 +6492,7 @@
         </p:spPr>
         <p:txBody>
           <a:bodyPr>
-            <a:normAutofit/>
+            <a:normAutofit lnSpcReduction="10000"/>
           </a:bodyPr>
           <a:lstStyle/>
           <a:p>
@@ -5969,7 +6587,9 @@
         </p:nvSpPr>
         <p:spPr/>
         <p:txBody>
-          <a:bodyPr/>
+          <a:bodyPr>
+            <a:normAutofit fontScale="90000"/>
+          </a:bodyPr>
           <a:lstStyle/>
           <a:p>
             <a:r>
@@ -5997,7 +6617,7 @@
         </p:nvGraphicFramePr>
         <p:xfrm>
           <a:off x="612775" y="1600200"/>
-          <a:ext cx="8153400" cy="4114800"/>
+          <a:ext cx="8153400" cy="4724400"/>
         </p:xfrm>
         <a:graphic>
           <a:graphicData uri="http://schemas.openxmlformats.org/drawingml/2006/table">
